--- a/Day 5/Slides/8. Building Nested Components/building-nested-components-slides.pptx
+++ b/Day 5/Slides/8. Building Nested Components/building-nested-components-slides.pptx
@@ -5,7 +5,7 @@
     <p:sldMasterId id="2147483648" r:id="rId1"/>
   </p:sldMasterIdLst>
   <p:notesMasterIdLst>
-    <p:notesMasterId r:id="rId33"/>
+    <p:notesMasterId r:id="rId34"/>
   </p:notesMasterIdLst>
   <p:sldIdLst>
     <p:sldId id="256" r:id="rId3"/>
@@ -32,12 +32,13 @@
     <p:sldId id="277" r:id="rId24"/>
     <p:sldId id="278" r:id="rId25"/>
     <p:sldId id="279" r:id="rId26"/>
-    <p:sldId id="280" r:id="rId27"/>
-    <p:sldId id="281" r:id="rId28"/>
-    <p:sldId id="282" r:id="rId29"/>
-    <p:sldId id="284" r:id="rId30"/>
-    <p:sldId id="285" r:id="rId31"/>
-    <p:sldId id="286" r:id="rId32"/>
+    <p:sldId id="287" r:id="rId27"/>
+    <p:sldId id="280" r:id="rId28"/>
+    <p:sldId id="281" r:id="rId29"/>
+    <p:sldId id="282" r:id="rId30"/>
+    <p:sldId id="284" r:id="rId31"/>
+    <p:sldId id="285" r:id="rId32"/>
+    <p:sldId id="286" r:id="rId33"/>
   </p:sldIdLst>
   <p:sldSz cx="18288000" cy="10287000"/>
   <p:notesSz cx="18288000" cy="10287000"/>
@@ -1306,6 +1307,171 @@
 </p:sldLayout>
 </file>
 
+<file path=ppt/slideLayouts/slideLayout6.xml><?xml version="1.0" encoding="utf-8"?>
+<p:sldLayout xmlns:a="http://schemas.openxmlformats.org/drawingml/2006/main" xmlns:r="http://schemas.openxmlformats.org/officeDocument/2006/relationships" xmlns:p="http://schemas.openxmlformats.org/presentationml/2006/main" type="tx" preserve="1">
+  <p:cSld name="Title and Text">
+    <p:spTree>
+      <p:nvGrpSpPr>
+        <p:cNvPr id="1" name=""/>
+        <p:cNvGrpSpPr/>
+        <p:nvPr/>
+      </p:nvGrpSpPr>
+      <p:grpSpPr>
+        <a:xfrm>
+          <a:off x="0" y="0"/>
+          <a:ext cx="0" cy="0"/>
+          <a:chOff x="0" y="0"/>
+          <a:chExt cx="0" cy="0"/>
+        </a:xfrm>
+      </p:grpSpPr>
+      <p:sp>
+        <p:nvSpPr>
+          <p:cNvPr id="2" name="Title 1"/>
+          <p:cNvSpPr>
+            <a:spLocks noGrp="1"/>
+          </p:cNvSpPr>
+          <p:nvPr>
+            <p:ph type="title"/>
+          </p:nvPr>
+        </p:nvSpPr>
+        <p:spPr/>
+        <p:txBody>
+          <a:bodyPr/>
+          <a:lstStyle/>
+          <a:p>
+            <a:r>
+              <a:rPr lang="en-US" smtClean="0"/>
+              <a:t>Click to edit Master title style</a:t>
+            </a:r>
+            <a:endParaRPr lang="en-US"/>
+          </a:p>
+        </p:txBody>
+      </p:sp>
+      <p:sp>
+        <p:nvSpPr>
+          <p:cNvPr id="3" name="Text Placeholder 2"/>
+          <p:cNvSpPr>
+            <a:spLocks noGrp="1"/>
+          </p:cNvSpPr>
+          <p:nvPr>
+            <p:ph type="body" idx="1"/>
+          </p:nvPr>
+        </p:nvSpPr>
+        <p:spPr/>
+        <p:txBody>
+          <a:bodyPr/>
+          <a:lstStyle/>
+          <a:p>
+            <a:pPr lvl="0"/>
+            <a:r>
+              <a:rPr lang="en-US" smtClean="0"/>
+              <a:t>Click to edit Master text styles</a:t>
+            </a:r>
+            <a:endParaRPr lang="en-US" smtClean="0"/>
+          </a:p>
+          <a:p>
+            <a:pPr lvl="1"/>
+            <a:r>
+              <a:rPr lang="en-US" smtClean="0"/>
+              <a:t>Second level</a:t>
+            </a:r>
+            <a:endParaRPr lang="en-US" smtClean="0"/>
+          </a:p>
+          <a:p>
+            <a:pPr lvl="2"/>
+            <a:r>
+              <a:rPr lang="en-US" smtClean="0"/>
+              <a:t>Third level</a:t>
+            </a:r>
+            <a:endParaRPr lang="en-US" smtClean="0"/>
+          </a:p>
+          <a:p>
+            <a:pPr lvl="3"/>
+            <a:r>
+              <a:rPr lang="en-US" smtClean="0"/>
+              <a:t>Fourth level</a:t>
+            </a:r>
+            <a:endParaRPr lang="en-US" smtClean="0"/>
+          </a:p>
+          <a:p>
+            <a:pPr lvl="4"/>
+            <a:r>
+              <a:rPr lang="en-US" smtClean="0"/>
+              <a:t>Fifth level</a:t>
+            </a:r>
+            <a:endParaRPr lang="en-US"/>
+          </a:p>
+        </p:txBody>
+      </p:sp>
+      <p:sp>
+        <p:nvSpPr>
+          <p:cNvPr id="4" name="Date Placeholder 3"/>
+          <p:cNvSpPr>
+            <a:spLocks noGrp="1"/>
+          </p:cNvSpPr>
+          <p:nvPr>
+            <p:ph type="dt" sz="half" idx="10"/>
+          </p:nvPr>
+        </p:nvSpPr>
+        <p:spPr/>
+        <p:txBody>
+          <a:bodyPr/>
+          <a:lstStyle/>
+          <a:p>
+            <a:fld id="{1D8BD707-D9CF-40AE-B4C6-C98DA3205C09}" type="datetimeFigureOut">
+              <a:rPr lang="en-US"/>
+            </a:fld>
+            <a:endParaRPr lang="en-US"/>
+          </a:p>
+        </p:txBody>
+      </p:sp>
+      <p:sp>
+        <p:nvSpPr>
+          <p:cNvPr id="5" name="Footer Placeholder 4"/>
+          <p:cNvSpPr>
+            <a:spLocks noGrp="1"/>
+          </p:cNvSpPr>
+          <p:nvPr>
+            <p:ph type="ftr" sz="quarter" idx="11"/>
+          </p:nvPr>
+        </p:nvSpPr>
+        <p:spPr/>
+        <p:txBody>
+          <a:bodyPr/>
+          <a:lstStyle/>
+          <a:p/>
+        </p:txBody>
+      </p:sp>
+      <p:sp>
+        <p:nvSpPr>
+          <p:cNvPr id="6" name="Slide Number Placeholder 5"/>
+          <p:cNvSpPr>
+            <a:spLocks noGrp="1"/>
+          </p:cNvSpPr>
+          <p:nvPr>
+            <p:ph type="sldNum" sz="quarter" idx="12"/>
+          </p:nvPr>
+        </p:nvSpPr>
+        <p:spPr/>
+        <p:txBody>
+          <a:bodyPr/>
+          <a:lstStyle/>
+          <a:p>
+            <a:fld id="{B6F15528-21DE-4FAA-801E-634DDDAF4B2B}" type="slidenum">
+              <a:rPr/>
+            </a:fld>
+            <a:endParaRPr/>
+          </a:p>
+        </p:txBody>
+      </p:sp>
+    </p:spTree>
+  </p:cSld>
+  <p:clrMapOvr>
+    <a:masterClrMapping/>
+  </p:clrMapOvr>
+</p:sldLayout>
+</file>
+
 <file path=ppt/slideMasters/slideMaster1.xml><?xml version="1.0" encoding="utf-8"?>
 <p:sldMaster xmlns:a="http://schemas.openxmlformats.org/drawingml/2006/main" xmlns:r="http://schemas.openxmlformats.org/officeDocument/2006/relationships" xmlns:p="http://schemas.openxmlformats.org/presentationml/2006/main">
   <p:cSld>
@@ -1535,6 +1701,7 @@
     <p:sldLayoutId id="2147483651" r:id="rId3"/>
     <p:sldLayoutId id="2147483652" r:id="rId4"/>
     <p:sldLayoutId id="2147483653" r:id="rId5"/>
+    <p:sldLayoutId id="2147483654" r:id="rId6"/>
   </p:sldLayoutIdLst>
   <p:hf hdr="0" ftr="0" dt="0"/>
   <p:txStyles>
@@ -20170,6 +20337,104 @@
 </file>
 
 <file path=ppt/slides/slide25.xml><?xml version="1.0" encoding="utf-8"?>
+<p:sld xmlns:a="http://schemas.openxmlformats.org/drawingml/2006/main" xmlns:r="http://schemas.openxmlformats.org/officeDocument/2006/relationships" xmlns:p="http://schemas.openxmlformats.org/presentationml/2006/main">
+  <p:cSld>
+    <p:spTree>
+      <p:nvGrpSpPr>
+        <p:cNvPr id="1" name=""/>
+        <p:cNvGrpSpPr/>
+        <p:nvPr/>
+      </p:nvGrpSpPr>
+      <p:grpSpPr/>
+      <p:sp>
+        <p:nvSpPr>
+          <p:cNvPr id="5" name="Title 4"/>
+          <p:cNvSpPr>
+            <a:spLocks noGrp="1"/>
+          </p:cNvSpPr>
+          <p:nvPr>
+            <p:ph type="title"/>
+          </p:nvPr>
+        </p:nvSpPr>
+        <p:spPr>
+          <a:xfrm>
+            <a:off x="2819400" y="723900"/>
+            <a:ext cx="12782550" cy="861695"/>
+          </a:xfrm>
+        </p:spPr>
+        <p:txBody>
+          <a:bodyPr wrap="square"/>
+          <a:p>
+            <a:pPr algn="ctr"/>
+            <a:r>
+              <a:rPr lang="en-US"/>
+              <a:t>ViewChild and ContentChild in Angular</a:t>
+            </a:r>
+            <a:endParaRPr lang="en-US"/>
+          </a:p>
+        </p:txBody>
+      </p:sp>
+      <p:sp>
+        <p:nvSpPr>
+          <p:cNvPr id="4" name="Slide Number Placeholder 3"/>
+          <p:cNvSpPr>
+            <a:spLocks noGrp="1"/>
+          </p:cNvSpPr>
+          <p:nvPr>
+            <p:ph type="sldNum" sz="quarter" idx="7"/>
+          </p:nvPr>
+        </p:nvSpPr>
+        <p:spPr>
+          <a:xfrm>
+            <a:off x="13167361" y="9566910"/>
+            <a:ext cx="4206240" cy="276860"/>
+          </a:xfrm>
+        </p:spPr>
+        <p:txBody>
+          <a:bodyPr/>
+          <a:p>
+            <a:fld id="{B6F15528-21DE-4FAA-801E-634DDDAF4B2B}" type="slidenum">
+              <a:rPr/>
+            </a:fld>
+            <a:endParaRPr/>
+          </a:p>
+        </p:txBody>
+      </p:sp>
+      <p:pic>
+        <p:nvPicPr>
+          <p:cNvPr id="100" name="Picture 99"/>
+          <p:cNvPicPr/>
+          <p:nvPr/>
+        </p:nvPicPr>
+        <p:blipFill>
+          <a:blip r:embed="rId1"/>
+          <a:stretch>
+            <a:fillRect/>
+          </a:stretch>
+        </p:blipFill>
+        <p:spPr>
+          <a:xfrm>
+            <a:off x="4151630" y="2171700"/>
+            <a:ext cx="10118090" cy="6591300"/>
+          </a:xfrm>
+          <a:prstGeom prst="rect">
+            <a:avLst/>
+          </a:prstGeom>
+          <a:noFill/>
+          <a:ln w="9525">
+            <a:noFill/>
+          </a:ln>
+        </p:spPr>
+      </p:pic>
+    </p:spTree>
+  </p:cSld>
+  <p:clrMapOvr>
+    <a:masterClrMapping/>
+  </p:clrMapOvr>
+</p:sld>
+</file>
+
+<file path=ppt/slides/slide26.xml><?xml version="1.0" encoding="utf-8"?>
 <p:sld xmlns:a="http://schemas.openxmlformats.org/drawingml/2006/main" xmlns:r="http://schemas.openxmlformats.org/officeDocument/2006/relationships" xmlns:p="http://schemas.openxmlformats.org/presentationml/2006/main" showMasterSp="0">
   <p:cSld>
     <p:spTree>
@@ -21330,7 +21595,7 @@
 </p:sld>
 </file>
 
-<file path=ppt/slides/slide26.xml><?xml version="1.0" encoding="utf-8"?>
+<file path=ppt/slides/slide27.xml><?xml version="1.0" encoding="utf-8"?>
 <p:sld xmlns:a="http://schemas.openxmlformats.org/drawingml/2006/main" xmlns:r="http://schemas.openxmlformats.org/officeDocument/2006/relationships" xmlns:p="http://schemas.openxmlformats.org/presentationml/2006/main" showMasterSp="0">
   <p:cSld>
     <p:spTree>
@@ -22894,7 +23159,7 @@
 </p:sld>
 </file>
 
-<file path=ppt/slides/slide27.xml><?xml version="1.0" encoding="utf-8"?>
+<file path=ppt/slides/slide28.xml><?xml version="1.0" encoding="utf-8"?>
 <p:sld xmlns:a="http://schemas.openxmlformats.org/drawingml/2006/main" xmlns:r="http://schemas.openxmlformats.org/officeDocument/2006/relationships" xmlns:p="http://schemas.openxmlformats.org/presentationml/2006/main" showMasterSp="0">
   <p:cSld>
     <p:spTree>
@@ -23850,7 +24115,7 @@
 </p:sld>
 </file>
 
-<file path=ppt/slides/slide28.xml><?xml version="1.0" encoding="utf-8"?>
+<file path=ppt/slides/slide29.xml><?xml version="1.0" encoding="utf-8"?>
 <p:sld xmlns:a="http://schemas.openxmlformats.org/drawingml/2006/main" xmlns:r="http://schemas.openxmlformats.org/officeDocument/2006/relationships" xmlns:p="http://schemas.openxmlformats.org/presentationml/2006/main" showMasterSp="0">
   <p:cSld>
     <p:spTree>
@@ -25133,1456 +25398,6 @@
       <p:sp>
         <p:nvSpPr>
           <p:cNvPr id="16" name="Slide Number Placeholder 15"/>
-          <p:cNvSpPr>
-            <a:spLocks noGrp="1"/>
-          </p:cNvSpPr>
-          <p:nvPr>
-            <p:ph type="sldNum" sz="quarter" idx="7"/>
-          </p:nvPr>
-        </p:nvSpPr>
-        <p:spPr/>
-        <p:txBody>
-          <a:bodyPr/>
-          <a:p>
-            <a:fld id="{B6F15528-21DE-4FAA-801E-634DDDAF4B2B}" type="slidenum">
-              <a:rPr/>
-            </a:fld>
-            <a:endParaRPr/>
-          </a:p>
-        </p:txBody>
-      </p:sp>
-    </p:spTree>
-  </p:cSld>
-  <p:clrMapOvr>
-    <a:masterClrMapping/>
-  </p:clrMapOvr>
-</p:sld>
-</file>
-
-<file path=ppt/slides/slide29.xml><?xml version="1.0" encoding="utf-8"?>
-<p:sld xmlns:a="http://schemas.openxmlformats.org/drawingml/2006/main" xmlns:r="http://schemas.openxmlformats.org/officeDocument/2006/relationships" xmlns:p="http://schemas.openxmlformats.org/presentationml/2006/main" showMasterSp="0">
-  <p:cSld>
-    <p:spTree>
-      <p:nvGrpSpPr>
-        <p:cNvPr id="1" name=""/>
-        <p:cNvGrpSpPr/>
-        <p:nvPr/>
-      </p:nvGrpSpPr>
-      <p:grpSpPr>
-        <a:xfrm>
-          <a:off x="0" y="0"/>
-          <a:ext cx="0" cy="0"/>
-          <a:chOff x="0" y="0"/>
-          <a:chExt cx="0" cy="0"/>
-        </a:xfrm>
-      </p:grpSpPr>
-      <p:sp>
-        <p:nvSpPr>
-          <p:cNvPr id="2" name="object 2"/>
-          <p:cNvSpPr txBox="1">
-            <a:spLocks noGrp="1"/>
-          </p:cNvSpPr>
-          <p:nvPr>
-            <p:ph type="title"/>
-          </p:nvPr>
-        </p:nvSpPr>
-        <p:spPr>
-          <a:prstGeom prst="rect">
-            <a:avLst/>
-          </a:prstGeom>
-        </p:spPr>
-        <p:txBody>
-          <a:bodyPr vert="horz" wrap="square" lIns="0" tIns="12700" rIns="0" bIns="0" rtlCol="0">
-            <a:spAutoFit/>
-          </a:bodyPr>
-          <a:lstStyle/>
-          <a:p>
-            <a:pPr marL="13335">
-              <a:lnSpc>
-                <a:spcPct val="100000"/>
-              </a:lnSpc>
-              <a:spcBef>
-                <a:spcPts val="100"/>
-              </a:spcBef>
-            </a:pPr>
-            <a:r>
-              <a:rPr spc="45" dirty="0"/>
-              <a:t>Application</a:t>
-            </a:r>
-            <a:r>
-              <a:rPr spc="-185" dirty="0"/>
-              <a:t> </a:t>
-            </a:r>
-            <a:r>
-              <a:rPr spc="110" dirty="0"/>
-              <a:t>Architecture</a:t>
-            </a:r>
-            <a:endParaRPr spc="110" dirty="0"/>
-          </a:p>
-        </p:txBody>
-      </p:sp>
-      <p:grpSp>
-        <p:nvGrpSpPr>
-          <p:cNvPr id="3" name="object 3"/>
-          <p:cNvGrpSpPr/>
-          <p:nvPr/>
-        </p:nvGrpSpPr>
-        <p:grpSpPr>
-          <a:xfrm>
-            <a:off x="7554907" y="2866758"/>
-            <a:ext cx="1713864" cy="2171700"/>
-            <a:chOff x="7554907" y="2866758"/>
-            <a:chExt cx="1713864" cy="2171700"/>
-          </a:xfrm>
-        </p:grpSpPr>
-        <p:sp>
-          <p:nvSpPr>
-            <p:cNvPr id="4" name="object 4"/>
-            <p:cNvSpPr/>
-            <p:nvPr/>
-          </p:nvSpPr>
-          <p:spPr>
-            <a:xfrm>
-              <a:off x="7554907" y="2866758"/>
-              <a:ext cx="1713864" cy="2103755"/>
-            </a:xfrm>
-            <a:custGeom>
-              <a:avLst/>
-              <a:gdLst/>
-              <a:ahLst/>
-              <a:cxnLst/>
-              <a:rect l="l" t="t" r="r" b="b"/>
-              <a:pathLst>
-                <a:path w="1713865" h="2103754">
-                  <a:moveTo>
-                    <a:pt x="1583629" y="115149"/>
-                  </a:moveTo>
-                  <a:lnTo>
-                    <a:pt x="0" y="2067393"/>
-                  </a:lnTo>
-                  <a:lnTo>
-                    <a:pt x="44382" y="2103396"/>
-                  </a:lnTo>
-                  <a:lnTo>
-                    <a:pt x="1628013" y="151152"/>
-                  </a:lnTo>
-                  <a:lnTo>
-                    <a:pt x="1583629" y="115149"/>
-                  </a:lnTo>
-                  <a:close/>
-                </a:path>
-                <a:path w="1713865" h="2103754">
-                  <a:moveTo>
-                    <a:pt x="1693251" y="92957"/>
-                  </a:moveTo>
-                  <a:lnTo>
-                    <a:pt x="1601631" y="92957"/>
-                  </a:lnTo>
-                  <a:lnTo>
-                    <a:pt x="1646015" y="128960"/>
-                  </a:lnTo>
-                  <a:lnTo>
-                    <a:pt x="1628013" y="151152"/>
-                  </a:lnTo>
-                  <a:lnTo>
-                    <a:pt x="1672396" y="187156"/>
-                  </a:lnTo>
-                  <a:lnTo>
-                    <a:pt x="1693251" y="92957"/>
-                  </a:lnTo>
-                  <a:close/>
-                </a:path>
-                <a:path w="1713865" h="2103754">
-                  <a:moveTo>
-                    <a:pt x="1601631" y="92957"/>
-                  </a:moveTo>
-                  <a:lnTo>
-                    <a:pt x="1583629" y="115149"/>
-                  </a:lnTo>
-                  <a:lnTo>
-                    <a:pt x="1628013" y="151152"/>
-                  </a:lnTo>
-                  <a:lnTo>
-                    <a:pt x="1646015" y="128960"/>
-                  </a:lnTo>
-                  <a:lnTo>
-                    <a:pt x="1601631" y="92957"/>
-                  </a:lnTo>
-                  <a:close/>
-                </a:path>
-                <a:path w="1713865" h="2103754">
-                  <a:moveTo>
-                    <a:pt x="1713830" y="0"/>
-                  </a:moveTo>
-                  <a:lnTo>
-                    <a:pt x="1539246" y="79146"/>
-                  </a:lnTo>
-                  <a:lnTo>
-                    <a:pt x="1583629" y="115149"/>
-                  </a:lnTo>
-                  <a:lnTo>
-                    <a:pt x="1601631" y="92957"/>
-                  </a:lnTo>
-                  <a:lnTo>
-                    <a:pt x="1693251" y="92957"/>
-                  </a:lnTo>
-                  <a:lnTo>
-                    <a:pt x="1713830" y="0"/>
-                  </a:lnTo>
-                  <a:close/>
-                </a:path>
-              </a:pathLst>
-            </a:custGeom>
-            <a:solidFill>
-              <a:srgbClr val="BFBFBF"/>
-            </a:solidFill>
-          </p:spPr>
-          <p:txBody>
-            <a:bodyPr wrap="square" lIns="0" tIns="0" rIns="0" bIns="0" rtlCol="0"/>
-            <a:lstStyle/>
-            <a:p/>
-          </p:txBody>
-        </p:sp>
-        <p:sp>
-          <p:nvSpPr>
-            <p:cNvPr id="5" name="object 5"/>
-            <p:cNvSpPr/>
-            <p:nvPr/>
-          </p:nvSpPr>
-          <p:spPr>
-            <a:xfrm>
-              <a:off x="7577097" y="4866429"/>
-              <a:ext cx="1691639" cy="171450"/>
-            </a:xfrm>
-            <a:custGeom>
-              <a:avLst/>
-              <a:gdLst/>
-              <a:ahLst/>
-              <a:cxnLst/>
-              <a:rect l="l" t="t" r="r" b="b"/>
-              <a:pathLst>
-                <a:path w="1691640" h="171450">
-                  <a:moveTo>
-                    <a:pt x="1520190" y="114299"/>
-                  </a:moveTo>
-                  <a:lnTo>
-                    <a:pt x="1520190" y="171450"/>
-                  </a:lnTo>
-                  <a:lnTo>
-                    <a:pt x="1634490" y="114300"/>
-                  </a:lnTo>
-                  <a:lnTo>
-                    <a:pt x="1520190" y="114299"/>
-                  </a:lnTo>
-                  <a:close/>
-                </a:path>
-                <a:path w="1691640" h="171450">
-                  <a:moveTo>
-                    <a:pt x="1520190" y="57149"/>
-                  </a:moveTo>
-                  <a:lnTo>
-                    <a:pt x="1520190" y="114299"/>
-                  </a:lnTo>
-                  <a:lnTo>
-                    <a:pt x="1548766" y="114300"/>
-                  </a:lnTo>
-                  <a:lnTo>
-                    <a:pt x="1548766" y="57150"/>
-                  </a:lnTo>
-                  <a:lnTo>
-                    <a:pt x="1520190" y="57149"/>
-                  </a:lnTo>
-                  <a:close/>
-                </a:path>
-                <a:path w="1691640" h="171450">
-                  <a:moveTo>
-                    <a:pt x="1520190" y="0"/>
-                  </a:moveTo>
-                  <a:lnTo>
-                    <a:pt x="1520190" y="57149"/>
-                  </a:lnTo>
-                  <a:lnTo>
-                    <a:pt x="1548766" y="57150"/>
-                  </a:lnTo>
-                  <a:lnTo>
-                    <a:pt x="1548766" y="114300"/>
-                  </a:lnTo>
-                  <a:lnTo>
-                    <a:pt x="1634492" y="114298"/>
-                  </a:lnTo>
-                  <a:lnTo>
-                    <a:pt x="1691640" y="85725"/>
-                  </a:lnTo>
-                  <a:lnTo>
-                    <a:pt x="1520190" y="0"/>
-                  </a:lnTo>
-                  <a:close/>
-                </a:path>
-                <a:path w="1691640" h="171450">
-                  <a:moveTo>
-                    <a:pt x="0" y="57148"/>
-                  </a:moveTo>
-                  <a:lnTo>
-                    <a:pt x="0" y="114298"/>
-                  </a:lnTo>
-                  <a:lnTo>
-                    <a:pt x="1520190" y="114299"/>
-                  </a:lnTo>
-                  <a:lnTo>
-                    <a:pt x="1520190" y="57149"/>
-                  </a:lnTo>
-                  <a:lnTo>
-                    <a:pt x="0" y="57148"/>
-                  </a:lnTo>
-                  <a:close/>
-                </a:path>
-              </a:pathLst>
-            </a:custGeom>
-            <a:solidFill>
-              <a:srgbClr val="2A9FBC"/>
-            </a:solidFill>
-          </p:spPr>
-          <p:txBody>
-            <a:bodyPr wrap="square" lIns="0" tIns="0" rIns="0" bIns="0" rtlCol="0"/>
-            <a:lstStyle/>
-            <a:p/>
-          </p:txBody>
-        </p:sp>
-      </p:grpSp>
-      <p:sp>
-        <p:nvSpPr>
-          <p:cNvPr id="6" name="object 6"/>
-          <p:cNvSpPr/>
-          <p:nvPr/>
-        </p:nvSpPr>
-        <p:spPr>
-          <a:xfrm>
-            <a:off x="3234268" y="4866429"/>
-            <a:ext cx="960119" cy="171450"/>
-          </a:xfrm>
-          <a:custGeom>
-            <a:avLst/>
-            <a:gdLst/>
-            <a:ahLst/>
-            <a:cxnLst/>
-            <a:rect l="l" t="t" r="r" b="b"/>
-            <a:pathLst>
-              <a:path w="960120" h="171450">
-                <a:moveTo>
-                  <a:pt x="788100" y="114299"/>
-                </a:moveTo>
-                <a:lnTo>
-                  <a:pt x="788099" y="171450"/>
-                </a:lnTo>
-                <a:lnTo>
-                  <a:pt x="902399" y="114300"/>
-                </a:lnTo>
-                <a:lnTo>
-                  <a:pt x="788100" y="114299"/>
-                </a:lnTo>
-                <a:close/>
-              </a:path>
-              <a:path w="960120" h="171450">
-                <a:moveTo>
-                  <a:pt x="788100" y="57149"/>
-                </a:moveTo>
-                <a:lnTo>
-                  <a:pt x="788100" y="114299"/>
-                </a:lnTo>
-                <a:lnTo>
-                  <a:pt x="816674" y="114300"/>
-                </a:lnTo>
-                <a:lnTo>
-                  <a:pt x="816674" y="57150"/>
-                </a:lnTo>
-                <a:lnTo>
-                  <a:pt x="788100" y="57149"/>
-                </a:lnTo>
-                <a:close/>
-              </a:path>
-              <a:path w="960120" h="171450">
-                <a:moveTo>
-                  <a:pt x="788101" y="0"/>
-                </a:moveTo>
-                <a:lnTo>
-                  <a:pt x="788100" y="57149"/>
-                </a:lnTo>
-                <a:lnTo>
-                  <a:pt x="816674" y="57150"/>
-                </a:lnTo>
-                <a:lnTo>
-                  <a:pt x="816674" y="114300"/>
-                </a:lnTo>
-                <a:lnTo>
-                  <a:pt x="902402" y="114298"/>
-                </a:lnTo>
-                <a:lnTo>
-                  <a:pt x="959549" y="85725"/>
-                </a:lnTo>
-                <a:lnTo>
-                  <a:pt x="788101" y="0"/>
-                </a:lnTo>
-                <a:close/>
-              </a:path>
-              <a:path w="960120" h="171450">
-                <a:moveTo>
-                  <a:pt x="0" y="57148"/>
-                </a:moveTo>
-                <a:lnTo>
-                  <a:pt x="0" y="114298"/>
-                </a:lnTo>
-                <a:lnTo>
-                  <a:pt x="788100" y="114299"/>
-                </a:lnTo>
-                <a:lnTo>
-                  <a:pt x="788100" y="57149"/>
-                </a:lnTo>
-                <a:lnTo>
-                  <a:pt x="0" y="57148"/>
-                </a:lnTo>
-                <a:close/>
-              </a:path>
-            </a:pathLst>
-          </a:custGeom>
-          <a:solidFill>
-            <a:srgbClr val="BFBFBF"/>
-          </a:solidFill>
-        </p:spPr>
-        <p:txBody>
-          <a:bodyPr wrap="square" lIns="0" tIns="0" rIns="0" bIns="0" rtlCol="0"/>
-          <a:lstStyle/>
-          <a:p/>
-        </p:txBody>
-      </p:sp>
-      <p:sp>
-        <p:nvSpPr>
-          <p:cNvPr id="7" name="object 7"/>
-          <p:cNvSpPr/>
-          <p:nvPr/>
-        </p:nvSpPr>
-        <p:spPr>
-          <a:xfrm>
-            <a:off x="11088014" y="5683672"/>
-            <a:ext cx="171450" cy="605790"/>
-          </a:xfrm>
-          <a:custGeom>
-            <a:avLst/>
-            <a:gdLst/>
-            <a:ahLst/>
-            <a:cxnLst/>
-            <a:rect l="l" t="t" r="r" b="b"/>
-            <a:pathLst>
-              <a:path w="171450" h="605789">
-                <a:moveTo>
-                  <a:pt x="57149" y="433972"/>
-                </a:moveTo>
-                <a:lnTo>
-                  <a:pt x="0" y="433972"/>
-                </a:lnTo>
-                <a:lnTo>
-                  <a:pt x="85725" y="605422"/>
-                </a:lnTo>
-                <a:lnTo>
-                  <a:pt x="157162" y="462547"/>
-                </a:lnTo>
-                <a:lnTo>
-                  <a:pt x="57150" y="462547"/>
-                </a:lnTo>
-                <a:lnTo>
-                  <a:pt x="57149" y="433972"/>
-                </a:lnTo>
-                <a:close/>
-              </a:path>
-              <a:path w="171450" h="605789">
-                <a:moveTo>
-                  <a:pt x="114298" y="0"/>
-                </a:moveTo>
-                <a:lnTo>
-                  <a:pt x="57148" y="0"/>
-                </a:lnTo>
-                <a:lnTo>
-                  <a:pt x="57150" y="462547"/>
-                </a:lnTo>
-                <a:lnTo>
-                  <a:pt x="114300" y="462547"/>
-                </a:lnTo>
-                <a:lnTo>
-                  <a:pt x="114298" y="0"/>
-                </a:lnTo>
-                <a:close/>
-              </a:path>
-              <a:path w="171450" h="605789">
-                <a:moveTo>
-                  <a:pt x="171450" y="433972"/>
-                </a:moveTo>
-                <a:lnTo>
-                  <a:pt x="114299" y="433972"/>
-                </a:lnTo>
-                <a:lnTo>
-                  <a:pt x="114300" y="462547"/>
-                </a:lnTo>
-                <a:lnTo>
-                  <a:pt x="157162" y="462547"/>
-                </a:lnTo>
-                <a:lnTo>
-                  <a:pt x="171450" y="433972"/>
-                </a:lnTo>
-                <a:close/>
-              </a:path>
-            </a:pathLst>
-          </a:custGeom>
-          <a:solidFill>
-            <a:srgbClr val="BFBFBF"/>
-          </a:solidFill>
-        </p:spPr>
-        <p:txBody>
-          <a:bodyPr wrap="square" lIns="0" tIns="0" rIns="0" bIns="0" rtlCol="0"/>
-          <a:lstStyle/>
-          <a:p/>
-        </p:txBody>
-      </p:sp>
-      <p:grpSp>
-        <p:nvGrpSpPr>
-          <p:cNvPr id="8" name="object 8"/>
-          <p:cNvGrpSpPr/>
-          <p:nvPr/>
-        </p:nvGrpSpPr>
-        <p:grpSpPr>
-          <a:xfrm>
-            <a:off x="13062522" y="4928623"/>
-            <a:ext cx="1517650" cy="2115820"/>
-            <a:chOff x="13062522" y="4928623"/>
-            <a:chExt cx="1517650" cy="2115820"/>
-          </a:xfrm>
-        </p:grpSpPr>
-        <p:sp>
-          <p:nvSpPr>
-            <p:cNvPr id="9" name="object 9"/>
-            <p:cNvSpPr/>
-            <p:nvPr/>
-          </p:nvSpPr>
-          <p:spPr>
-            <a:xfrm>
-              <a:off x="13062522" y="4928623"/>
-              <a:ext cx="1517650" cy="1057910"/>
-            </a:xfrm>
-            <a:custGeom>
-              <a:avLst/>
-              <a:gdLst/>
-              <a:ahLst/>
-              <a:cxnLst/>
-              <a:rect l="l" t="t" r="r" b="b"/>
-              <a:pathLst>
-                <a:path w="1517650" h="1057910">
-                  <a:moveTo>
-                    <a:pt x="1359691" y="984005"/>
-                  </a:moveTo>
-                  <a:lnTo>
-                    <a:pt x="1327264" y="1031064"/>
-                  </a:lnTo>
-                  <a:lnTo>
-                    <a:pt x="1517078" y="1057760"/>
-                  </a:lnTo>
-                  <a:lnTo>
-                    <a:pt x="1485361" y="1000218"/>
-                  </a:lnTo>
-                  <a:lnTo>
-                    <a:pt x="1383220" y="1000218"/>
-                  </a:lnTo>
-                  <a:lnTo>
-                    <a:pt x="1359691" y="984005"/>
-                  </a:lnTo>
-                  <a:close/>
-                </a:path>
-                <a:path w="1517650" h="1057910">
-                  <a:moveTo>
-                    <a:pt x="1392117" y="936948"/>
-                  </a:moveTo>
-                  <a:lnTo>
-                    <a:pt x="1359691" y="984005"/>
-                  </a:lnTo>
-                  <a:lnTo>
-                    <a:pt x="1383220" y="1000218"/>
-                  </a:lnTo>
-                  <a:lnTo>
-                    <a:pt x="1415643" y="953160"/>
-                  </a:lnTo>
-                  <a:lnTo>
-                    <a:pt x="1392117" y="936948"/>
-                  </a:lnTo>
-                  <a:close/>
-                </a:path>
-                <a:path w="1517650" h="1057910">
-                  <a:moveTo>
-                    <a:pt x="1424546" y="889887"/>
-                  </a:moveTo>
-                  <a:lnTo>
-                    <a:pt x="1392117" y="936948"/>
-                  </a:lnTo>
-                  <a:lnTo>
-                    <a:pt x="1415643" y="953160"/>
-                  </a:lnTo>
-                  <a:lnTo>
-                    <a:pt x="1383220" y="1000218"/>
-                  </a:lnTo>
-                  <a:lnTo>
-                    <a:pt x="1485361" y="1000218"/>
-                  </a:lnTo>
-                  <a:lnTo>
-                    <a:pt x="1424546" y="889887"/>
-                  </a:lnTo>
-                  <a:close/>
-                </a:path>
-                <a:path w="1517650" h="1057910">
-                  <a:moveTo>
-                    <a:pt x="32435" y="0"/>
-                  </a:moveTo>
-                  <a:lnTo>
-                    <a:pt x="0" y="47058"/>
-                  </a:lnTo>
-                  <a:lnTo>
-                    <a:pt x="1359691" y="984005"/>
-                  </a:lnTo>
-                  <a:lnTo>
-                    <a:pt x="1392117" y="936948"/>
-                  </a:lnTo>
-                  <a:lnTo>
-                    <a:pt x="32435" y="0"/>
-                  </a:lnTo>
-                  <a:close/>
-                </a:path>
-              </a:pathLst>
-            </a:custGeom>
-            <a:solidFill>
-              <a:srgbClr val="2A9FBC"/>
-            </a:solidFill>
-          </p:spPr>
-          <p:txBody>
-            <a:bodyPr wrap="square" lIns="0" tIns="0" rIns="0" bIns="0" rtlCol="0"/>
-            <a:lstStyle/>
-            <a:p/>
-          </p:txBody>
-        </p:sp>
-        <p:sp>
-          <p:nvSpPr>
-            <p:cNvPr id="10" name="object 10"/>
-            <p:cNvSpPr/>
-            <p:nvPr/>
-          </p:nvSpPr>
-          <p:spPr>
-            <a:xfrm>
-              <a:off x="13062522" y="5986382"/>
-              <a:ext cx="1517650" cy="1057910"/>
-            </a:xfrm>
-            <a:custGeom>
-              <a:avLst/>
-              <a:gdLst/>
-              <a:ahLst/>
-              <a:cxnLst/>
-              <a:rect l="l" t="t" r="r" b="b"/>
-              <a:pathLst>
-                <a:path w="1517650" h="1057909">
-                  <a:moveTo>
-                    <a:pt x="1359691" y="73753"/>
-                  </a:moveTo>
-                  <a:lnTo>
-                    <a:pt x="0" y="1010702"/>
-                  </a:lnTo>
-                  <a:lnTo>
-                    <a:pt x="32435" y="1057761"/>
-                  </a:lnTo>
-                  <a:lnTo>
-                    <a:pt x="1392117" y="120811"/>
-                  </a:lnTo>
-                  <a:lnTo>
-                    <a:pt x="1359691" y="73753"/>
-                  </a:lnTo>
-                  <a:close/>
-                </a:path>
-                <a:path w="1517650" h="1057909">
-                  <a:moveTo>
-                    <a:pt x="1485362" y="57539"/>
-                  </a:moveTo>
-                  <a:lnTo>
-                    <a:pt x="1383220" y="57539"/>
-                  </a:lnTo>
-                  <a:lnTo>
-                    <a:pt x="1415643" y="104599"/>
-                  </a:lnTo>
-                  <a:lnTo>
-                    <a:pt x="1392117" y="120811"/>
-                  </a:lnTo>
-                  <a:lnTo>
-                    <a:pt x="1424546" y="167872"/>
-                  </a:lnTo>
-                  <a:lnTo>
-                    <a:pt x="1485362" y="57539"/>
-                  </a:lnTo>
-                  <a:close/>
-                </a:path>
-                <a:path w="1517650" h="1057909">
-                  <a:moveTo>
-                    <a:pt x="1383220" y="57539"/>
-                  </a:moveTo>
-                  <a:lnTo>
-                    <a:pt x="1359691" y="73753"/>
-                  </a:lnTo>
-                  <a:lnTo>
-                    <a:pt x="1392117" y="120811"/>
-                  </a:lnTo>
-                  <a:lnTo>
-                    <a:pt x="1415643" y="104599"/>
-                  </a:lnTo>
-                  <a:lnTo>
-                    <a:pt x="1383220" y="57539"/>
-                  </a:lnTo>
-                  <a:close/>
-                </a:path>
-                <a:path w="1517650" h="1057909">
-                  <a:moveTo>
-                    <a:pt x="1517078" y="0"/>
-                  </a:moveTo>
-                  <a:lnTo>
-                    <a:pt x="1327264" y="26695"/>
-                  </a:lnTo>
-                  <a:lnTo>
-                    <a:pt x="1359691" y="73753"/>
-                  </a:lnTo>
-                  <a:lnTo>
-                    <a:pt x="1383220" y="57539"/>
-                  </a:lnTo>
-                  <a:lnTo>
-                    <a:pt x="1485362" y="57539"/>
-                  </a:lnTo>
-                  <a:lnTo>
-                    <a:pt x="1517078" y="0"/>
-                  </a:lnTo>
-                  <a:close/>
-                </a:path>
-              </a:pathLst>
-            </a:custGeom>
-            <a:solidFill>
-              <a:srgbClr val="BFBFBF"/>
-            </a:solidFill>
-          </p:spPr>
-          <p:txBody>
-            <a:bodyPr wrap="square" lIns="0" tIns="0" rIns="0" bIns="0" rtlCol="0"/>
-            <a:lstStyle/>
-            <a:p/>
-          </p:txBody>
-        </p:sp>
-      </p:grpSp>
-      <p:sp>
-        <p:nvSpPr>
-          <p:cNvPr id="11" name="object 11"/>
-          <p:cNvSpPr txBox="1"/>
-          <p:nvPr/>
-        </p:nvSpPr>
-        <p:spPr>
-          <a:xfrm>
-            <a:off x="422224" y="4220633"/>
-            <a:ext cx="2812415" cy="1463040"/>
-          </a:xfrm>
-          <a:prstGeom prst="rect">
-            <a:avLst/>
-          </a:prstGeom>
-          <a:solidFill>
-            <a:srgbClr val="9BC850"/>
-          </a:solidFill>
-          <a:ln w="12700">
-            <a:solidFill>
-              <a:srgbClr val="719238"/>
-            </a:solidFill>
-          </a:ln>
-        </p:spPr>
-        <p:txBody>
-          <a:bodyPr vert="horz" wrap="square" lIns="0" tIns="445770" rIns="0" bIns="0" rtlCol="0">
-            <a:spAutoFit/>
-          </a:bodyPr>
-          <a:lstStyle/>
-          <a:p>
-            <a:pPr marL="271145">
-              <a:lnSpc>
-                <a:spcPct val="100000"/>
-              </a:lnSpc>
-              <a:spcBef>
-                <a:spcPts val="3510"/>
-              </a:spcBef>
-            </a:pPr>
-            <a:r>
-              <a:rPr sz="3600" b="1" spc="-20" dirty="0">
-                <a:solidFill>
-                  <a:srgbClr val="FFFFFF"/>
-                </a:solidFill>
-                <a:latin typeface="Arial" panose="020B0604020202020204"/>
-                <a:cs typeface="Arial" panose="020B0604020202020204"/>
-              </a:rPr>
-              <a:t>index.html</a:t>
-            </a:r>
-            <a:endParaRPr sz="3600">
-              <a:latin typeface="Arial" panose="020B0604020202020204"/>
-              <a:cs typeface="Arial" panose="020B0604020202020204"/>
-            </a:endParaRPr>
-          </a:p>
-        </p:txBody>
-      </p:sp>
-      <p:sp>
-        <p:nvSpPr>
-          <p:cNvPr id="12" name="object 12"/>
-          <p:cNvSpPr txBox="1"/>
-          <p:nvPr/>
-        </p:nvSpPr>
-        <p:spPr>
-          <a:xfrm>
-            <a:off x="4193819" y="4220633"/>
-            <a:ext cx="3383279" cy="1463040"/>
-          </a:xfrm>
-          <a:prstGeom prst="rect">
-            <a:avLst/>
-          </a:prstGeom>
-          <a:solidFill>
-            <a:srgbClr val="2A9FBC"/>
-          </a:solidFill>
-          <a:ln w="12700">
-            <a:solidFill>
-              <a:srgbClr val="1C7489"/>
-            </a:solidFill>
-          </a:ln>
-        </p:spPr>
-        <p:txBody>
-          <a:bodyPr vert="horz" wrap="square" lIns="0" tIns="191770" rIns="0" bIns="0" rtlCol="0">
-            <a:spAutoFit/>
-          </a:bodyPr>
-          <a:lstStyle/>
-          <a:p>
-            <a:pPr marL="403225" marR="395605" indent="854710">
-              <a:lnSpc>
-                <a:spcPts val="4300"/>
-              </a:lnSpc>
-              <a:spcBef>
-                <a:spcPts val="1510"/>
-              </a:spcBef>
-            </a:pPr>
-            <a:r>
-              <a:rPr sz="3600" b="1" spc="-60" dirty="0">
-                <a:solidFill>
-                  <a:srgbClr val="FFFFFF"/>
-                </a:solidFill>
-                <a:latin typeface="Arial" panose="020B0604020202020204"/>
-                <a:cs typeface="Arial" panose="020B0604020202020204"/>
-              </a:rPr>
-              <a:t>App </a:t>
-            </a:r>
-            <a:r>
-              <a:rPr sz="3600" b="1" spc="-55" dirty="0">
-                <a:solidFill>
-                  <a:srgbClr val="FFFFFF"/>
-                </a:solidFill>
-                <a:latin typeface="Arial" panose="020B0604020202020204"/>
-                <a:cs typeface="Arial" panose="020B0604020202020204"/>
-              </a:rPr>
-              <a:t> </a:t>
-            </a:r>
-            <a:r>
-              <a:rPr sz="3600" b="1" spc="30" dirty="0">
-                <a:solidFill>
-                  <a:srgbClr val="FFFFFF"/>
-                </a:solidFill>
-                <a:latin typeface="Arial" panose="020B0604020202020204"/>
-                <a:cs typeface="Arial" panose="020B0604020202020204"/>
-              </a:rPr>
-              <a:t>C</a:t>
-            </a:r>
-            <a:r>
-              <a:rPr sz="3600" b="1" spc="15" dirty="0">
-                <a:solidFill>
-                  <a:srgbClr val="FFFFFF"/>
-                </a:solidFill>
-                <a:latin typeface="Arial" panose="020B0604020202020204"/>
-                <a:cs typeface="Arial" panose="020B0604020202020204"/>
-              </a:rPr>
-              <a:t>o</a:t>
-            </a:r>
-            <a:r>
-              <a:rPr sz="3600" b="1" spc="-95" dirty="0">
-                <a:solidFill>
-                  <a:srgbClr val="FFFFFF"/>
-                </a:solidFill>
-                <a:latin typeface="Arial" panose="020B0604020202020204"/>
-                <a:cs typeface="Arial" panose="020B0604020202020204"/>
-              </a:rPr>
-              <a:t>m</a:t>
-            </a:r>
-            <a:r>
-              <a:rPr sz="3600" b="1" spc="25" dirty="0">
-                <a:solidFill>
-                  <a:srgbClr val="FFFFFF"/>
-                </a:solidFill>
-                <a:latin typeface="Arial" panose="020B0604020202020204"/>
-                <a:cs typeface="Arial" panose="020B0604020202020204"/>
-              </a:rPr>
-              <a:t>p</a:t>
-            </a:r>
-            <a:r>
-              <a:rPr sz="3600" b="1" spc="-45" dirty="0">
-                <a:solidFill>
-                  <a:srgbClr val="FFFFFF"/>
-                </a:solidFill>
-                <a:latin typeface="Arial" panose="020B0604020202020204"/>
-                <a:cs typeface="Arial" panose="020B0604020202020204"/>
-              </a:rPr>
-              <a:t>o</a:t>
-            </a:r>
-            <a:r>
-              <a:rPr sz="3600" b="1" spc="80" dirty="0">
-                <a:solidFill>
-                  <a:srgbClr val="FFFFFF"/>
-                </a:solidFill>
-                <a:latin typeface="Arial" panose="020B0604020202020204"/>
-                <a:cs typeface="Arial" panose="020B0604020202020204"/>
-              </a:rPr>
-              <a:t>nent</a:t>
-            </a:r>
-            <a:endParaRPr sz="3600">
-              <a:latin typeface="Arial" panose="020B0604020202020204"/>
-              <a:cs typeface="Arial" panose="020B0604020202020204"/>
-            </a:endParaRPr>
-          </a:p>
-        </p:txBody>
-      </p:sp>
-      <p:sp>
-        <p:nvSpPr>
-          <p:cNvPr id="13" name="object 13"/>
-          <p:cNvSpPr txBox="1"/>
-          <p:nvPr/>
-        </p:nvSpPr>
-        <p:spPr>
-          <a:xfrm>
-            <a:off x="9268738" y="4220633"/>
-            <a:ext cx="3810000" cy="1463040"/>
-          </a:xfrm>
-          <a:prstGeom prst="rect">
-            <a:avLst/>
-          </a:prstGeom>
-          <a:solidFill>
-            <a:srgbClr val="2A9FBC"/>
-          </a:solidFill>
-          <a:ln w="12700">
-            <a:solidFill>
-              <a:srgbClr val="1C7489"/>
-            </a:solidFill>
-          </a:ln>
-        </p:spPr>
-        <p:txBody>
-          <a:bodyPr vert="horz" wrap="square" lIns="0" tIns="191770" rIns="0" bIns="0" rtlCol="0">
-            <a:spAutoFit/>
-          </a:bodyPr>
-          <a:lstStyle/>
-          <a:p>
-            <a:pPr marL="616585" marR="574675" indent="-34925">
-              <a:lnSpc>
-                <a:spcPts val="4300"/>
-              </a:lnSpc>
-              <a:spcBef>
-                <a:spcPts val="1510"/>
-              </a:spcBef>
-            </a:pPr>
-            <a:r>
-              <a:rPr sz="3600" b="1" spc="10" dirty="0">
-                <a:solidFill>
-                  <a:srgbClr val="FFFFFF"/>
-                </a:solidFill>
-                <a:latin typeface="Arial" panose="020B0604020202020204"/>
-                <a:cs typeface="Arial" panose="020B0604020202020204"/>
-              </a:rPr>
-              <a:t>Product</a:t>
-            </a:r>
-            <a:r>
-              <a:rPr sz="3600" b="1" spc="-120" dirty="0">
-                <a:solidFill>
-                  <a:srgbClr val="FFFFFF"/>
-                </a:solidFill>
-                <a:latin typeface="Arial" panose="020B0604020202020204"/>
-                <a:cs typeface="Arial" panose="020B0604020202020204"/>
-              </a:rPr>
-              <a:t> </a:t>
-            </a:r>
-            <a:r>
-              <a:rPr sz="3600" b="1" spc="-60" dirty="0">
-                <a:solidFill>
-                  <a:srgbClr val="FFFFFF"/>
-                </a:solidFill>
-                <a:latin typeface="Arial" panose="020B0604020202020204"/>
-                <a:cs typeface="Arial" panose="020B0604020202020204"/>
-              </a:rPr>
-              <a:t>List </a:t>
-            </a:r>
-            <a:r>
-              <a:rPr sz="3600" b="1" spc="-985" dirty="0">
-                <a:solidFill>
-                  <a:srgbClr val="FFFFFF"/>
-                </a:solidFill>
-                <a:latin typeface="Arial" panose="020B0604020202020204"/>
-                <a:cs typeface="Arial" panose="020B0604020202020204"/>
-              </a:rPr>
-              <a:t> </a:t>
-            </a:r>
-            <a:r>
-              <a:rPr sz="3600" b="1" spc="30" dirty="0">
-                <a:solidFill>
-                  <a:srgbClr val="FFFFFF"/>
-                </a:solidFill>
-                <a:latin typeface="Arial" panose="020B0604020202020204"/>
-                <a:cs typeface="Arial" panose="020B0604020202020204"/>
-              </a:rPr>
-              <a:t>Component</a:t>
-            </a:r>
-            <a:endParaRPr sz="3600">
-              <a:latin typeface="Arial" panose="020B0604020202020204"/>
-              <a:cs typeface="Arial" panose="020B0604020202020204"/>
-            </a:endParaRPr>
-          </a:p>
-        </p:txBody>
-      </p:sp>
-      <p:sp>
-        <p:nvSpPr>
-          <p:cNvPr id="14" name="object 14"/>
-          <p:cNvSpPr txBox="1"/>
-          <p:nvPr/>
-        </p:nvSpPr>
-        <p:spPr>
-          <a:xfrm>
-            <a:off x="4193819" y="6914726"/>
-            <a:ext cx="3383279" cy="1463040"/>
-          </a:xfrm>
-          <a:prstGeom prst="rect">
-            <a:avLst/>
-          </a:prstGeom>
-          <a:solidFill>
-            <a:srgbClr val="D9D9D9"/>
-          </a:solidFill>
-          <a:ln w="12700">
-            <a:solidFill>
-              <a:srgbClr val="4A417A"/>
-            </a:solidFill>
-          </a:ln>
-        </p:spPr>
-        <p:txBody>
-          <a:bodyPr vert="horz" wrap="square" lIns="0" tIns="168910" rIns="0" bIns="0" rtlCol="0">
-            <a:spAutoFit/>
-          </a:bodyPr>
-          <a:lstStyle/>
-          <a:p>
-            <a:pPr marL="883285" marR="257175" indent="-618490">
-              <a:lnSpc>
-                <a:spcPct val="100000"/>
-              </a:lnSpc>
-              <a:spcBef>
-                <a:spcPts val="1330"/>
-              </a:spcBef>
-            </a:pPr>
-            <a:r>
-              <a:rPr sz="3600" b="1" spc="10" dirty="0">
-                <a:solidFill>
-                  <a:srgbClr val="FFFFFF"/>
-                </a:solidFill>
-                <a:latin typeface="Arial" panose="020B0604020202020204"/>
-                <a:cs typeface="Arial" panose="020B0604020202020204"/>
-              </a:rPr>
-              <a:t>Product</a:t>
-            </a:r>
-            <a:r>
-              <a:rPr sz="3600" b="1" spc="-125" dirty="0">
-                <a:solidFill>
-                  <a:srgbClr val="FFFFFF"/>
-                </a:solidFill>
-                <a:latin typeface="Arial" panose="020B0604020202020204"/>
-                <a:cs typeface="Arial" panose="020B0604020202020204"/>
-              </a:rPr>
-              <a:t> </a:t>
-            </a:r>
-            <a:r>
-              <a:rPr sz="3600" b="1" dirty="0">
-                <a:solidFill>
-                  <a:srgbClr val="FFFFFF"/>
-                </a:solidFill>
-                <a:latin typeface="Arial" panose="020B0604020202020204"/>
-                <a:cs typeface="Arial" panose="020B0604020202020204"/>
-              </a:rPr>
-              <a:t>Data </a:t>
-            </a:r>
-            <a:r>
-              <a:rPr sz="3600" b="1" spc="-985" dirty="0">
-                <a:solidFill>
-                  <a:srgbClr val="FFFFFF"/>
-                </a:solidFill>
-                <a:latin typeface="Arial" panose="020B0604020202020204"/>
-                <a:cs typeface="Arial" panose="020B0604020202020204"/>
-              </a:rPr>
-              <a:t> </a:t>
-            </a:r>
-            <a:r>
-              <a:rPr sz="3600" b="1" spc="-15" dirty="0">
-                <a:solidFill>
-                  <a:srgbClr val="FFFFFF"/>
-                </a:solidFill>
-                <a:latin typeface="Arial" panose="020B0604020202020204"/>
-                <a:cs typeface="Arial" panose="020B0604020202020204"/>
-              </a:rPr>
-              <a:t>Service</a:t>
-            </a:r>
-            <a:endParaRPr sz="3600">
-              <a:latin typeface="Arial" panose="020B0604020202020204"/>
-              <a:cs typeface="Arial" panose="020B0604020202020204"/>
-            </a:endParaRPr>
-          </a:p>
-        </p:txBody>
-      </p:sp>
-      <p:sp>
-        <p:nvSpPr>
-          <p:cNvPr id="15" name="object 15"/>
-          <p:cNvSpPr txBox="1"/>
-          <p:nvPr/>
-        </p:nvSpPr>
-        <p:spPr>
-          <a:xfrm>
-            <a:off x="9268738" y="6289094"/>
-            <a:ext cx="3810000" cy="1463040"/>
-          </a:xfrm>
-          <a:prstGeom prst="rect">
-            <a:avLst/>
-          </a:prstGeom>
-          <a:solidFill>
-            <a:srgbClr val="D9D9D9"/>
-          </a:solidFill>
-          <a:ln w="12700">
-            <a:solidFill>
-              <a:srgbClr val="1C7489"/>
-            </a:solidFill>
-          </a:ln>
-        </p:spPr>
-        <p:txBody>
-          <a:bodyPr vert="horz" wrap="square" lIns="0" tIns="189865" rIns="0" bIns="0" rtlCol="0">
-            <a:spAutoFit/>
-          </a:bodyPr>
-          <a:lstStyle/>
-          <a:p>
-            <a:pPr marL="616585" marR="339725" indent="-269875">
-              <a:lnSpc>
-                <a:spcPts val="4300"/>
-              </a:lnSpc>
-              <a:spcBef>
-                <a:spcPts val="1495"/>
-              </a:spcBef>
-            </a:pPr>
-            <a:r>
-              <a:rPr sz="3600" b="1" spc="10" dirty="0">
-                <a:solidFill>
-                  <a:srgbClr val="FFFFFF"/>
-                </a:solidFill>
-                <a:latin typeface="Arial" panose="020B0604020202020204"/>
-                <a:cs typeface="Arial" panose="020B0604020202020204"/>
-              </a:rPr>
-              <a:t>Product</a:t>
-            </a:r>
-            <a:r>
-              <a:rPr sz="3600" b="1" spc="-130" dirty="0">
-                <a:solidFill>
-                  <a:srgbClr val="FFFFFF"/>
-                </a:solidFill>
-                <a:latin typeface="Arial" panose="020B0604020202020204"/>
-                <a:cs typeface="Arial" panose="020B0604020202020204"/>
-              </a:rPr>
-              <a:t> </a:t>
-            </a:r>
-            <a:r>
-              <a:rPr sz="3600" b="1" spc="10" dirty="0">
-                <a:solidFill>
-                  <a:srgbClr val="FFFFFF"/>
-                </a:solidFill>
-                <a:latin typeface="Arial" panose="020B0604020202020204"/>
-                <a:cs typeface="Arial" panose="020B0604020202020204"/>
-              </a:rPr>
-              <a:t>Detail </a:t>
-            </a:r>
-            <a:r>
-              <a:rPr sz="3600" b="1" spc="-985" dirty="0">
-                <a:solidFill>
-                  <a:srgbClr val="FFFFFF"/>
-                </a:solidFill>
-                <a:latin typeface="Arial" panose="020B0604020202020204"/>
-                <a:cs typeface="Arial" panose="020B0604020202020204"/>
-              </a:rPr>
-              <a:t> </a:t>
-            </a:r>
-            <a:r>
-              <a:rPr sz="3600" b="1" spc="30" dirty="0">
-                <a:solidFill>
-                  <a:srgbClr val="FFFFFF"/>
-                </a:solidFill>
-                <a:latin typeface="Arial" panose="020B0604020202020204"/>
-                <a:cs typeface="Arial" panose="020B0604020202020204"/>
-              </a:rPr>
-              <a:t>Component</a:t>
-            </a:r>
-            <a:endParaRPr sz="3600">
-              <a:latin typeface="Arial" panose="020B0604020202020204"/>
-              <a:cs typeface="Arial" panose="020B0604020202020204"/>
-            </a:endParaRPr>
-          </a:p>
-        </p:txBody>
-      </p:sp>
-      <p:sp>
-        <p:nvSpPr>
-          <p:cNvPr id="16" name="object 16"/>
-          <p:cNvSpPr txBox="1"/>
-          <p:nvPr/>
-        </p:nvSpPr>
-        <p:spPr>
-          <a:xfrm>
-            <a:off x="9268738" y="2135238"/>
-            <a:ext cx="3810000" cy="1463040"/>
-          </a:xfrm>
-          <a:prstGeom prst="rect">
-            <a:avLst/>
-          </a:prstGeom>
-          <a:solidFill>
-            <a:srgbClr val="D9D9D9"/>
-          </a:solidFill>
-          <a:ln w="12700">
-            <a:solidFill>
-              <a:srgbClr val="1C7489"/>
-            </a:solidFill>
-          </a:ln>
-        </p:spPr>
-        <p:txBody>
-          <a:bodyPr vert="horz" wrap="square" lIns="0" tIns="168910" rIns="0" bIns="0" rtlCol="0">
-            <a:spAutoFit/>
-          </a:bodyPr>
-          <a:lstStyle/>
-          <a:p>
-            <a:pPr marL="616585" marR="608965" indent="280670">
-              <a:lnSpc>
-                <a:spcPct val="100000"/>
-              </a:lnSpc>
-              <a:spcBef>
-                <a:spcPts val="1330"/>
-              </a:spcBef>
-            </a:pPr>
-            <a:r>
-              <a:rPr sz="3600" b="1" dirty="0">
-                <a:solidFill>
-                  <a:srgbClr val="FFFFFF"/>
-                </a:solidFill>
-                <a:latin typeface="Arial" panose="020B0604020202020204"/>
-                <a:cs typeface="Arial" panose="020B0604020202020204"/>
-              </a:rPr>
-              <a:t>Welcome </a:t>
-            </a:r>
-            <a:r>
-              <a:rPr sz="3600" b="1" spc="5" dirty="0">
-                <a:solidFill>
-                  <a:srgbClr val="FFFFFF"/>
-                </a:solidFill>
-                <a:latin typeface="Arial" panose="020B0604020202020204"/>
-                <a:cs typeface="Arial" panose="020B0604020202020204"/>
-              </a:rPr>
-              <a:t> </a:t>
-            </a:r>
-            <a:r>
-              <a:rPr sz="3600" b="1" spc="30" dirty="0">
-                <a:solidFill>
-                  <a:srgbClr val="FFFFFF"/>
-                </a:solidFill>
-                <a:latin typeface="Arial" panose="020B0604020202020204"/>
-                <a:cs typeface="Arial" panose="020B0604020202020204"/>
-              </a:rPr>
-              <a:t>C</a:t>
-            </a:r>
-            <a:r>
-              <a:rPr sz="3600" b="1" spc="15" dirty="0">
-                <a:solidFill>
-                  <a:srgbClr val="FFFFFF"/>
-                </a:solidFill>
-                <a:latin typeface="Arial" panose="020B0604020202020204"/>
-                <a:cs typeface="Arial" panose="020B0604020202020204"/>
-              </a:rPr>
-              <a:t>o</a:t>
-            </a:r>
-            <a:r>
-              <a:rPr sz="3600" b="1" spc="-95" dirty="0">
-                <a:solidFill>
-                  <a:srgbClr val="FFFFFF"/>
-                </a:solidFill>
-                <a:latin typeface="Arial" panose="020B0604020202020204"/>
-                <a:cs typeface="Arial" panose="020B0604020202020204"/>
-              </a:rPr>
-              <a:t>m</a:t>
-            </a:r>
-            <a:r>
-              <a:rPr sz="3600" b="1" spc="25" dirty="0">
-                <a:solidFill>
-                  <a:srgbClr val="FFFFFF"/>
-                </a:solidFill>
-                <a:latin typeface="Arial" panose="020B0604020202020204"/>
-                <a:cs typeface="Arial" panose="020B0604020202020204"/>
-              </a:rPr>
-              <a:t>p</a:t>
-            </a:r>
-            <a:r>
-              <a:rPr sz="3600" b="1" spc="-45" dirty="0">
-                <a:solidFill>
-                  <a:srgbClr val="FFFFFF"/>
-                </a:solidFill>
-                <a:latin typeface="Arial" panose="020B0604020202020204"/>
-                <a:cs typeface="Arial" panose="020B0604020202020204"/>
-              </a:rPr>
-              <a:t>o</a:t>
-            </a:r>
-            <a:r>
-              <a:rPr sz="3600" b="1" spc="80" dirty="0">
-                <a:solidFill>
-                  <a:srgbClr val="FFFFFF"/>
-                </a:solidFill>
-                <a:latin typeface="Arial" panose="020B0604020202020204"/>
-                <a:cs typeface="Arial" panose="020B0604020202020204"/>
-              </a:rPr>
-              <a:t>nent</a:t>
-            </a:r>
-            <a:endParaRPr sz="3600">
-              <a:latin typeface="Arial" panose="020B0604020202020204"/>
-              <a:cs typeface="Arial" panose="020B0604020202020204"/>
-            </a:endParaRPr>
-          </a:p>
-        </p:txBody>
-      </p:sp>
-      <p:sp>
-        <p:nvSpPr>
-          <p:cNvPr id="17" name="object 17"/>
-          <p:cNvSpPr txBox="1"/>
-          <p:nvPr/>
-        </p:nvSpPr>
-        <p:spPr>
-          <a:xfrm>
-            <a:off x="14579600" y="5254862"/>
-            <a:ext cx="3268979" cy="1463040"/>
-          </a:xfrm>
-          <a:prstGeom prst="rect">
-            <a:avLst/>
-          </a:prstGeom>
-          <a:solidFill>
-            <a:srgbClr val="2A9FBC"/>
-          </a:solidFill>
-          <a:ln w="12700">
-            <a:solidFill>
-              <a:srgbClr val="1C7489"/>
-            </a:solidFill>
-          </a:ln>
-        </p:spPr>
-        <p:txBody>
-          <a:bodyPr vert="horz" wrap="square" lIns="0" tIns="190500" rIns="0" bIns="0" rtlCol="0">
-            <a:spAutoFit/>
-          </a:bodyPr>
-          <a:lstStyle/>
-          <a:p>
-            <a:pPr marL="346075" marR="337820" indent="850900">
-              <a:lnSpc>
-                <a:spcPts val="4300"/>
-              </a:lnSpc>
-              <a:spcBef>
-                <a:spcPts val="1500"/>
-              </a:spcBef>
-            </a:pPr>
-            <a:r>
-              <a:rPr sz="3600" b="1" spc="-35" dirty="0">
-                <a:solidFill>
-                  <a:srgbClr val="FFFFFF"/>
-                </a:solidFill>
-                <a:latin typeface="Arial" panose="020B0604020202020204"/>
-                <a:cs typeface="Arial" panose="020B0604020202020204"/>
-              </a:rPr>
-              <a:t>Star </a:t>
-            </a:r>
-            <a:r>
-              <a:rPr sz="3600" b="1" spc="-30" dirty="0">
-                <a:solidFill>
-                  <a:srgbClr val="FFFFFF"/>
-                </a:solidFill>
-                <a:latin typeface="Arial" panose="020B0604020202020204"/>
-                <a:cs typeface="Arial" panose="020B0604020202020204"/>
-              </a:rPr>
-              <a:t> </a:t>
-            </a:r>
-            <a:r>
-              <a:rPr sz="3600" b="1" spc="30" dirty="0">
-                <a:solidFill>
-                  <a:srgbClr val="FFFFFF"/>
-                </a:solidFill>
-                <a:latin typeface="Arial" panose="020B0604020202020204"/>
-                <a:cs typeface="Arial" panose="020B0604020202020204"/>
-              </a:rPr>
-              <a:t>C</a:t>
-            </a:r>
-            <a:r>
-              <a:rPr sz="3600" b="1" spc="15" dirty="0">
-                <a:solidFill>
-                  <a:srgbClr val="FFFFFF"/>
-                </a:solidFill>
-                <a:latin typeface="Arial" panose="020B0604020202020204"/>
-                <a:cs typeface="Arial" panose="020B0604020202020204"/>
-              </a:rPr>
-              <a:t>o</a:t>
-            </a:r>
-            <a:r>
-              <a:rPr sz="3600" b="1" spc="-95" dirty="0">
-                <a:solidFill>
-                  <a:srgbClr val="FFFFFF"/>
-                </a:solidFill>
-                <a:latin typeface="Arial" panose="020B0604020202020204"/>
-                <a:cs typeface="Arial" panose="020B0604020202020204"/>
-              </a:rPr>
-              <a:t>m</a:t>
-            </a:r>
-            <a:r>
-              <a:rPr sz="3600" b="1" spc="25" dirty="0">
-                <a:solidFill>
-                  <a:srgbClr val="FFFFFF"/>
-                </a:solidFill>
-                <a:latin typeface="Arial" panose="020B0604020202020204"/>
-                <a:cs typeface="Arial" panose="020B0604020202020204"/>
-              </a:rPr>
-              <a:t>p</a:t>
-            </a:r>
-            <a:r>
-              <a:rPr sz="3600" b="1" spc="-45" dirty="0">
-                <a:solidFill>
-                  <a:srgbClr val="FFFFFF"/>
-                </a:solidFill>
-                <a:latin typeface="Arial" panose="020B0604020202020204"/>
-                <a:cs typeface="Arial" panose="020B0604020202020204"/>
-              </a:rPr>
-              <a:t>o</a:t>
-            </a:r>
-            <a:r>
-              <a:rPr sz="3600" b="1" spc="80" dirty="0">
-                <a:solidFill>
-                  <a:srgbClr val="FFFFFF"/>
-                </a:solidFill>
-                <a:latin typeface="Arial" panose="020B0604020202020204"/>
-                <a:cs typeface="Arial" panose="020B0604020202020204"/>
-              </a:rPr>
-              <a:t>nent</a:t>
-            </a:r>
-            <a:endParaRPr sz="3600">
-              <a:latin typeface="Arial" panose="020B0604020202020204"/>
-              <a:cs typeface="Arial" panose="020B0604020202020204"/>
-            </a:endParaRPr>
-          </a:p>
-        </p:txBody>
-      </p:sp>
-      <p:sp>
-        <p:nvSpPr>
-          <p:cNvPr id="18" name="Slide Number Placeholder 17"/>
           <p:cNvSpPr>
             <a:spLocks noGrp="1"/>
           </p:cNvSpPr>
@@ -28411,6 +27226,1456 @@
 </file>
 
 <file path=ppt/slides/slide30.xml><?xml version="1.0" encoding="utf-8"?>
+<p:sld xmlns:a="http://schemas.openxmlformats.org/drawingml/2006/main" xmlns:r="http://schemas.openxmlformats.org/officeDocument/2006/relationships" xmlns:p="http://schemas.openxmlformats.org/presentationml/2006/main" showMasterSp="0">
+  <p:cSld>
+    <p:spTree>
+      <p:nvGrpSpPr>
+        <p:cNvPr id="1" name=""/>
+        <p:cNvGrpSpPr/>
+        <p:nvPr/>
+      </p:nvGrpSpPr>
+      <p:grpSpPr>
+        <a:xfrm>
+          <a:off x="0" y="0"/>
+          <a:ext cx="0" cy="0"/>
+          <a:chOff x="0" y="0"/>
+          <a:chExt cx="0" cy="0"/>
+        </a:xfrm>
+      </p:grpSpPr>
+      <p:sp>
+        <p:nvSpPr>
+          <p:cNvPr id="2" name="object 2"/>
+          <p:cNvSpPr txBox="1">
+            <a:spLocks noGrp="1"/>
+          </p:cNvSpPr>
+          <p:nvPr>
+            <p:ph type="title"/>
+          </p:nvPr>
+        </p:nvSpPr>
+        <p:spPr>
+          <a:prstGeom prst="rect">
+            <a:avLst/>
+          </a:prstGeom>
+        </p:spPr>
+        <p:txBody>
+          <a:bodyPr vert="horz" wrap="square" lIns="0" tIns="12700" rIns="0" bIns="0" rtlCol="0">
+            <a:spAutoFit/>
+          </a:bodyPr>
+          <a:lstStyle/>
+          <a:p>
+            <a:pPr marL="13335">
+              <a:lnSpc>
+                <a:spcPct val="100000"/>
+              </a:lnSpc>
+              <a:spcBef>
+                <a:spcPts val="100"/>
+              </a:spcBef>
+            </a:pPr>
+            <a:r>
+              <a:rPr spc="45" dirty="0"/>
+              <a:t>Application</a:t>
+            </a:r>
+            <a:r>
+              <a:rPr spc="-185" dirty="0"/>
+              <a:t> </a:t>
+            </a:r>
+            <a:r>
+              <a:rPr spc="110" dirty="0"/>
+              <a:t>Architecture</a:t>
+            </a:r>
+            <a:endParaRPr spc="110" dirty="0"/>
+          </a:p>
+        </p:txBody>
+      </p:sp>
+      <p:grpSp>
+        <p:nvGrpSpPr>
+          <p:cNvPr id="3" name="object 3"/>
+          <p:cNvGrpSpPr/>
+          <p:nvPr/>
+        </p:nvGrpSpPr>
+        <p:grpSpPr>
+          <a:xfrm>
+            <a:off x="7554907" y="2866758"/>
+            <a:ext cx="1713864" cy="2171700"/>
+            <a:chOff x="7554907" y="2866758"/>
+            <a:chExt cx="1713864" cy="2171700"/>
+          </a:xfrm>
+        </p:grpSpPr>
+        <p:sp>
+          <p:nvSpPr>
+            <p:cNvPr id="4" name="object 4"/>
+            <p:cNvSpPr/>
+            <p:nvPr/>
+          </p:nvSpPr>
+          <p:spPr>
+            <a:xfrm>
+              <a:off x="7554907" y="2866758"/>
+              <a:ext cx="1713864" cy="2103755"/>
+            </a:xfrm>
+            <a:custGeom>
+              <a:avLst/>
+              <a:gdLst/>
+              <a:ahLst/>
+              <a:cxnLst/>
+              <a:rect l="l" t="t" r="r" b="b"/>
+              <a:pathLst>
+                <a:path w="1713865" h="2103754">
+                  <a:moveTo>
+                    <a:pt x="1583629" y="115149"/>
+                  </a:moveTo>
+                  <a:lnTo>
+                    <a:pt x="0" y="2067393"/>
+                  </a:lnTo>
+                  <a:lnTo>
+                    <a:pt x="44382" y="2103396"/>
+                  </a:lnTo>
+                  <a:lnTo>
+                    <a:pt x="1628013" y="151152"/>
+                  </a:lnTo>
+                  <a:lnTo>
+                    <a:pt x="1583629" y="115149"/>
+                  </a:lnTo>
+                  <a:close/>
+                </a:path>
+                <a:path w="1713865" h="2103754">
+                  <a:moveTo>
+                    <a:pt x="1693251" y="92957"/>
+                  </a:moveTo>
+                  <a:lnTo>
+                    <a:pt x="1601631" y="92957"/>
+                  </a:lnTo>
+                  <a:lnTo>
+                    <a:pt x="1646015" y="128960"/>
+                  </a:lnTo>
+                  <a:lnTo>
+                    <a:pt x="1628013" y="151152"/>
+                  </a:lnTo>
+                  <a:lnTo>
+                    <a:pt x="1672396" y="187156"/>
+                  </a:lnTo>
+                  <a:lnTo>
+                    <a:pt x="1693251" y="92957"/>
+                  </a:lnTo>
+                  <a:close/>
+                </a:path>
+                <a:path w="1713865" h="2103754">
+                  <a:moveTo>
+                    <a:pt x="1601631" y="92957"/>
+                  </a:moveTo>
+                  <a:lnTo>
+                    <a:pt x="1583629" y="115149"/>
+                  </a:lnTo>
+                  <a:lnTo>
+                    <a:pt x="1628013" y="151152"/>
+                  </a:lnTo>
+                  <a:lnTo>
+                    <a:pt x="1646015" y="128960"/>
+                  </a:lnTo>
+                  <a:lnTo>
+                    <a:pt x="1601631" y="92957"/>
+                  </a:lnTo>
+                  <a:close/>
+                </a:path>
+                <a:path w="1713865" h="2103754">
+                  <a:moveTo>
+                    <a:pt x="1713830" y="0"/>
+                  </a:moveTo>
+                  <a:lnTo>
+                    <a:pt x="1539246" y="79146"/>
+                  </a:lnTo>
+                  <a:lnTo>
+                    <a:pt x="1583629" y="115149"/>
+                  </a:lnTo>
+                  <a:lnTo>
+                    <a:pt x="1601631" y="92957"/>
+                  </a:lnTo>
+                  <a:lnTo>
+                    <a:pt x="1693251" y="92957"/>
+                  </a:lnTo>
+                  <a:lnTo>
+                    <a:pt x="1713830" y="0"/>
+                  </a:lnTo>
+                  <a:close/>
+                </a:path>
+              </a:pathLst>
+            </a:custGeom>
+            <a:solidFill>
+              <a:srgbClr val="BFBFBF"/>
+            </a:solidFill>
+          </p:spPr>
+          <p:txBody>
+            <a:bodyPr wrap="square" lIns="0" tIns="0" rIns="0" bIns="0" rtlCol="0"/>
+            <a:lstStyle/>
+            <a:p/>
+          </p:txBody>
+        </p:sp>
+        <p:sp>
+          <p:nvSpPr>
+            <p:cNvPr id="5" name="object 5"/>
+            <p:cNvSpPr/>
+            <p:nvPr/>
+          </p:nvSpPr>
+          <p:spPr>
+            <a:xfrm>
+              <a:off x="7577097" y="4866429"/>
+              <a:ext cx="1691639" cy="171450"/>
+            </a:xfrm>
+            <a:custGeom>
+              <a:avLst/>
+              <a:gdLst/>
+              <a:ahLst/>
+              <a:cxnLst/>
+              <a:rect l="l" t="t" r="r" b="b"/>
+              <a:pathLst>
+                <a:path w="1691640" h="171450">
+                  <a:moveTo>
+                    <a:pt x="1520190" y="114299"/>
+                  </a:moveTo>
+                  <a:lnTo>
+                    <a:pt x="1520190" y="171450"/>
+                  </a:lnTo>
+                  <a:lnTo>
+                    <a:pt x="1634490" y="114300"/>
+                  </a:lnTo>
+                  <a:lnTo>
+                    <a:pt x="1520190" y="114299"/>
+                  </a:lnTo>
+                  <a:close/>
+                </a:path>
+                <a:path w="1691640" h="171450">
+                  <a:moveTo>
+                    <a:pt x="1520190" y="57149"/>
+                  </a:moveTo>
+                  <a:lnTo>
+                    <a:pt x="1520190" y="114299"/>
+                  </a:lnTo>
+                  <a:lnTo>
+                    <a:pt x="1548766" y="114300"/>
+                  </a:lnTo>
+                  <a:lnTo>
+                    <a:pt x="1548766" y="57150"/>
+                  </a:lnTo>
+                  <a:lnTo>
+                    <a:pt x="1520190" y="57149"/>
+                  </a:lnTo>
+                  <a:close/>
+                </a:path>
+                <a:path w="1691640" h="171450">
+                  <a:moveTo>
+                    <a:pt x="1520190" y="0"/>
+                  </a:moveTo>
+                  <a:lnTo>
+                    <a:pt x="1520190" y="57149"/>
+                  </a:lnTo>
+                  <a:lnTo>
+                    <a:pt x="1548766" y="57150"/>
+                  </a:lnTo>
+                  <a:lnTo>
+                    <a:pt x="1548766" y="114300"/>
+                  </a:lnTo>
+                  <a:lnTo>
+                    <a:pt x="1634492" y="114298"/>
+                  </a:lnTo>
+                  <a:lnTo>
+                    <a:pt x="1691640" y="85725"/>
+                  </a:lnTo>
+                  <a:lnTo>
+                    <a:pt x="1520190" y="0"/>
+                  </a:lnTo>
+                  <a:close/>
+                </a:path>
+                <a:path w="1691640" h="171450">
+                  <a:moveTo>
+                    <a:pt x="0" y="57148"/>
+                  </a:moveTo>
+                  <a:lnTo>
+                    <a:pt x="0" y="114298"/>
+                  </a:lnTo>
+                  <a:lnTo>
+                    <a:pt x="1520190" y="114299"/>
+                  </a:lnTo>
+                  <a:lnTo>
+                    <a:pt x="1520190" y="57149"/>
+                  </a:lnTo>
+                  <a:lnTo>
+                    <a:pt x="0" y="57148"/>
+                  </a:lnTo>
+                  <a:close/>
+                </a:path>
+              </a:pathLst>
+            </a:custGeom>
+            <a:solidFill>
+              <a:srgbClr val="2A9FBC"/>
+            </a:solidFill>
+          </p:spPr>
+          <p:txBody>
+            <a:bodyPr wrap="square" lIns="0" tIns="0" rIns="0" bIns="0" rtlCol="0"/>
+            <a:lstStyle/>
+            <a:p/>
+          </p:txBody>
+        </p:sp>
+      </p:grpSp>
+      <p:sp>
+        <p:nvSpPr>
+          <p:cNvPr id="6" name="object 6"/>
+          <p:cNvSpPr/>
+          <p:nvPr/>
+        </p:nvSpPr>
+        <p:spPr>
+          <a:xfrm>
+            <a:off x="3234268" y="4866429"/>
+            <a:ext cx="960119" cy="171450"/>
+          </a:xfrm>
+          <a:custGeom>
+            <a:avLst/>
+            <a:gdLst/>
+            <a:ahLst/>
+            <a:cxnLst/>
+            <a:rect l="l" t="t" r="r" b="b"/>
+            <a:pathLst>
+              <a:path w="960120" h="171450">
+                <a:moveTo>
+                  <a:pt x="788100" y="114299"/>
+                </a:moveTo>
+                <a:lnTo>
+                  <a:pt x="788099" y="171450"/>
+                </a:lnTo>
+                <a:lnTo>
+                  <a:pt x="902399" y="114300"/>
+                </a:lnTo>
+                <a:lnTo>
+                  <a:pt x="788100" y="114299"/>
+                </a:lnTo>
+                <a:close/>
+              </a:path>
+              <a:path w="960120" h="171450">
+                <a:moveTo>
+                  <a:pt x="788100" y="57149"/>
+                </a:moveTo>
+                <a:lnTo>
+                  <a:pt x="788100" y="114299"/>
+                </a:lnTo>
+                <a:lnTo>
+                  <a:pt x="816674" y="114300"/>
+                </a:lnTo>
+                <a:lnTo>
+                  <a:pt x="816674" y="57150"/>
+                </a:lnTo>
+                <a:lnTo>
+                  <a:pt x="788100" y="57149"/>
+                </a:lnTo>
+                <a:close/>
+              </a:path>
+              <a:path w="960120" h="171450">
+                <a:moveTo>
+                  <a:pt x="788101" y="0"/>
+                </a:moveTo>
+                <a:lnTo>
+                  <a:pt x="788100" y="57149"/>
+                </a:lnTo>
+                <a:lnTo>
+                  <a:pt x="816674" y="57150"/>
+                </a:lnTo>
+                <a:lnTo>
+                  <a:pt x="816674" y="114300"/>
+                </a:lnTo>
+                <a:lnTo>
+                  <a:pt x="902402" y="114298"/>
+                </a:lnTo>
+                <a:lnTo>
+                  <a:pt x="959549" y="85725"/>
+                </a:lnTo>
+                <a:lnTo>
+                  <a:pt x="788101" y="0"/>
+                </a:lnTo>
+                <a:close/>
+              </a:path>
+              <a:path w="960120" h="171450">
+                <a:moveTo>
+                  <a:pt x="0" y="57148"/>
+                </a:moveTo>
+                <a:lnTo>
+                  <a:pt x="0" y="114298"/>
+                </a:lnTo>
+                <a:lnTo>
+                  <a:pt x="788100" y="114299"/>
+                </a:lnTo>
+                <a:lnTo>
+                  <a:pt x="788100" y="57149"/>
+                </a:lnTo>
+                <a:lnTo>
+                  <a:pt x="0" y="57148"/>
+                </a:lnTo>
+                <a:close/>
+              </a:path>
+            </a:pathLst>
+          </a:custGeom>
+          <a:solidFill>
+            <a:srgbClr val="BFBFBF"/>
+          </a:solidFill>
+        </p:spPr>
+        <p:txBody>
+          <a:bodyPr wrap="square" lIns="0" tIns="0" rIns="0" bIns="0" rtlCol="0"/>
+          <a:lstStyle/>
+          <a:p/>
+        </p:txBody>
+      </p:sp>
+      <p:sp>
+        <p:nvSpPr>
+          <p:cNvPr id="7" name="object 7"/>
+          <p:cNvSpPr/>
+          <p:nvPr/>
+        </p:nvSpPr>
+        <p:spPr>
+          <a:xfrm>
+            <a:off x="11088014" y="5683672"/>
+            <a:ext cx="171450" cy="605790"/>
+          </a:xfrm>
+          <a:custGeom>
+            <a:avLst/>
+            <a:gdLst/>
+            <a:ahLst/>
+            <a:cxnLst/>
+            <a:rect l="l" t="t" r="r" b="b"/>
+            <a:pathLst>
+              <a:path w="171450" h="605789">
+                <a:moveTo>
+                  <a:pt x="57149" y="433972"/>
+                </a:moveTo>
+                <a:lnTo>
+                  <a:pt x="0" y="433972"/>
+                </a:lnTo>
+                <a:lnTo>
+                  <a:pt x="85725" y="605422"/>
+                </a:lnTo>
+                <a:lnTo>
+                  <a:pt x="157162" y="462547"/>
+                </a:lnTo>
+                <a:lnTo>
+                  <a:pt x="57150" y="462547"/>
+                </a:lnTo>
+                <a:lnTo>
+                  <a:pt x="57149" y="433972"/>
+                </a:lnTo>
+                <a:close/>
+              </a:path>
+              <a:path w="171450" h="605789">
+                <a:moveTo>
+                  <a:pt x="114298" y="0"/>
+                </a:moveTo>
+                <a:lnTo>
+                  <a:pt x="57148" y="0"/>
+                </a:lnTo>
+                <a:lnTo>
+                  <a:pt x="57150" y="462547"/>
+                </a:lnTo>
+                <a:lnTo>
+                  <a:pt x="114300" y="462547"/>
+                </a:lnTo>
+                <a:lnTo>
+                  <a:pt x="114298" y="0"/>
+                </a:lnTo>
+                <a:close/>
+              </a:path>
+              <a:path w="171450" h="605789">
+                <a:moveTo>
+                  <a:pt x="171450" y="433972"/>
+                </a:moveTo>
+                <a:lnTo>
+                  <a:pt x="114299" y="433972"/>
+                </a:lnTo>
+                <a:lnTo>
+                  <a:pt x="114300" y="462547"/>
+                </a:lnTo>
+                <a:lnTo>
+                  <a:pt x="157162" y="462547"/>
+                </a:lnTo>
+                <a:lnTo>
+                  <a:pt x="171450" y="433972"/>
+                </a:lnTo>
+                <a:close/>
+              </a:path>
+            </a:pathLst>
+          </a:custGeom>
+          <a:solidFill>
+            <a:srgbClr val="BFBFBF"/>
+          </a:solidFill>
+        </p:spPr>
+        <p:txBody>
+          <a:bodyPr wrap="square" lIns="0" tIns="0" rIns="0" bIns="0" rtlCol="0"/>
+          <a:lstStyle/>
+          <a:p/>
+        </p:txBody>
+      </p:sp>
+      <p:grpSp>
+        <p:nvGrpSpPr>
+          <p:cNvPr id="8" name="object 8"/>
+          <p:cNvGrpSpPr/>
+          <p:nvPr/>
+        </p:nvGrpSpPr>
+        <p:grpSpPr>
+          <a:xfrm>
+            <a:off x="13062522" y="4928623"/>
+            <a:ext cx="1517650" cy="2115820"/>
+            <a:chOff x="13062522" y="4928623"/>
+            <a:chExt cx="1517650" cy="2115820"/>
+          </a:xfrm>
+        </p:grpSpPr>
+        <p:sp>
+          <p:nvSpPr>
+            <p:cNvPr id="9" name="object 9"/>
+            <p:cNvSpPr/>
+            <p:nvPr/>
+          </p:nvSpPr>
+          <p:spPr>
+            <a:xfrm>
+              <a:off x="13062522" y="4928623"/>
+              <a:ext cx="1517650" cy="1057910"/>
+            </a:xfrm>
+            <a:custGeom>
+              <a:avLst/>
+              <a:gdLst/>
+              <a:ahLst/>
+              <a:cxnLst/>
+              <a:rect l="l" t="t" r="r" b="b"/>
+              <a:pathLst>
+                <a:path w="1517650" h="1057910">
+                  <a:moveTo>
+                    <a:pt x="1359691" y="984005"/>
+                  </a:moveTo>
+                  <a:lnTo>
+                    <a:pt x="1327264" y="1031064"/>
+                  </a:lnTo>
+                  <a:lnTo>
+                    <a:pt x="1517078" y="1057760"/>
+                  </a:lnTo>
+                  <a:lnTo>
+                    <a:pt x="1485361" y="1000218"/>
+                  </a:lnTo>
+                  <a:lnTo>
+                    <a:pt x="1383220" y="1000218"/>
+                  </a:lnTo>
+                  <a:lnTo>
+                    <a:pt x="1359691" y="984005"/>
+                  </a:lnTo>
+                  <a:close/>
+                </a:path>
+                <a:path w="1517650" h="1057910">
+                  <a:moveTo>
+                    <a:pt x="1392117" y="936948"/>
+                  </a:moveTo>
+                  <a:lnTo>
+                    <a:pt x="1359691" y="984005"/>
+                  </a:lnTo>
+                  <a:lnTo>
+                    <a:pt x="1383220" y="1000218"/>
+                  </a:lnTo>
+                  <a:lnTo>
+                    <a:pt x="1415643" y="953160"/>
+                  </a:lnTo>
+                  <a:lnTo>
+                    <a:pt x="1392117" y="936948"/>
+                  </a:lnTo>
+                  <a:close/>
+                </a:path>
+                <a:path w="1517650" h="1057910">
+                  <a:moveTo>
+                    <a:pt x="1424546" y="889887"/>
+                  </a:moveTo>
+                  <a:lnTo>
+                    <a:pt x="1392117" y="936948"/>
+                  </a:lnTo>
+                  <a:lnTo>
+                    <a:pt x="1415643" y="953160"/>
+                  </a:lnTo>
+                  <a:lnTo>
+                    <a:pt x="1383220" y="1000218"/>
+                  </a:lnTo>
+                  <a:lnTo>
+                    <a:pt x="1485361" y="1000218"/>
+                  </a:lnTo>
+                  <a:lnTo>
+                    <a:pt x="1424546" y="889887"/>
+                  </a:lnTo>
+                  <a:close/>
+                </a:path>
+                <a:path w="1517650" h="1057910">
+                  <a:moveTo>
+                    <a:pt x="32435" y="0"/>
+                  </a:moveTo>
+                  <a:lnTo>
+                    <a:pt x="0" y="47058"/>
+                  </a:lnTo>
+                  <a:lnTo>
+                    <a:pt x="1359691" y="984005"/>
+                  </a:lnTo>
+                  <a:lnTo>
+                    <a:pt x="1392117" y="936948"/>
+                  </a:lnTo>
+                  <a:lnTo>
+                    <a:pt x="32435" y="0"/>
+                  </a:lnTo>
+                  <a:close/>
+                </a:path>
+              </a:pathLst>
+            </a:custGeom>
+            <a:solidFill>
+              <a:srgbClr val="2A9FBC"/>
+            </a:solidFill>
+          </p:spPr>
+          <p:txBody>
+            <a:bodyPr wrap="square" lIns="0" tIns="0" rIns="0" bIns="0" rtlCol="0"/>
+            <a:lstStyle/>
+            <a:p/>
+          </p:txBody>
+        </p:sp>
+        <p:sp>
+          <p:nvSpPr>
+            <p:cNvPr id="10" name="object 10"/>
+            <p:cNvSpPr/>
+            <p:nvPr/>
+          </p:nvSpPr>
+          <p:spPr>
+            <a:xfrm>
+              <a:off x="13062522" y="5986382"/>
+              <a:ext cx="1517650" cy="1057910"/>
+            </a:xfrm>
+            <a:custGeom>
+              <a:avLst/>
+              <a:gdLst/>
+              <a:ahLst/>
+              <a:cxnLst/>
+              <a:rect l="l" t="t" r="r" b="b"/>
+              <a:pathLst>
+                <a:path w="1517650" h="1057909">
+                  <a:moveTo>
+                    <a:pt x="1359691" y="73753"/>
+                  </a:moveTo>
+                  <a:lnTo>
+                    <a:pt x="0" y="1010702"/>
+                  </a:lnTo>
+                  <a:lnTo>
+                    <a:pt x="32435" y="1057761"/>
+                  </a:lnTo>
+                  <a:lnTo>
+                    <a:pt x="1392117" y="120811"/>
+                  </a:lnTo>
+                  <a:lnTo>
+                    <a:pt x="1359691" y="73753"/>
+                  </a:lnTo>
+                  <a:close/>
+                </a:path>
+                <a:path w="1517650" h="1057909">
+                  <a:moveTo>
+                    <a:pt x="1485362" y="57539"/>
+                  </a:moveTo>
+                  <a:lnTo>
+                    <a:pt x="1383220" y="57539"/>
+                  </a:lnTo>
+                  <a:lnTo>
+                    <a:pt x="1415643" y="104599"/>
+                  </a:lnTo>
+                  <a:lnTo>
+                    <a:pt x="1392117" y="120811"/>
+                  </a:lnTo>
+                  <a:lnTo>
+                    <a:pt x="1424546" y="167872"/>
+                  </a:lnTo>
+                  <a:lnTo>
+                    <a:pt x="1485362" y="57539"/>
+                  </a:lnTo>
+                  <a:close/>
+                </a:path>
+                <a:path w="1517650" h="1057909">
+                  <a:moveTo>
+                    <a:pt x="1383220" y="57539"/>
+                  </a:moveTo>
+                  <a:lnTo>
+                    <a:pt x="1359691" y="73753"/>
+                  </a:lnTo>
+                  <a:lnTo>
+                    <a:pt x="1392117" y="120811"/>
+                  </a:lnTo>
+                  <a:lnTo>
+                    <a:pt x="1415643" y="104599"/>
+                  </a:lnTo>
+                  <a:lnTo>
+                    <a:pt x="1383220" y="57539"/>
+                  </a:lnTo>
+                  <a:close/>
+                </a:path>
+                <a:path w="1517650" h="1057909">
+                  <a:moveTo>
+                    <a:pt x="1517078" y="0"/>
+                  </a:moveTo>
+                  <a:lnTo>
+                    <a:pt x="1327264" y="26695"/>
+                  </a:lnTo>
+                  <a:lnTo>
+                    <a:pt x="1359691" y="73753"/>
+                  </a:lnTo>
+                  <a:lnTo>
+                    <a:pt x="1383220" y="57539"/>
+                  </a:lnTo>
+                  <a:lnTo>
+                    <a:pt x="1485362" y="57539"/>
+                  </a:lnTo>
+                  <a:lnTo>
+                    <a:pt x="1517078" y="0"/>
+                  </a:lnTo>
+                  <a:close/>
+                </a:path>
+              </a:pathLst>
+            </a:custGeom>
+            <a:solidFill>
+              <a:srgbClr val="BFBFBF"/>
+            </a:solidFill>
+          </p:spPr>
+          <p:txBody>
+            <a:bodyPr wrap="square" lIns="0" tIns="0" rIns="0" bIns="0" rtlCol="0"/>
+            <a:lstStyle/>
+            <a:p/>
+          </p:txBody>
+        </p:sp>
+      </p:grpSp>
+      <p:sp>
+        <p:nvSpPr>
+          <p:cNvPr id="11" name="object 11"/>
+          <p:cNvSpPr txBox="1"/>
+          <p:nvPr/>
+        </p:nvSpPr>
+        <p:spPr>
+          <a:xfrm>
+            <a:off x="422224" y="4220633"/>
+            <a:ext cx="2812415" cy="1463040"/>
+          </a:xfrm>
+          <a:prstGeom prst="rect">
+            <a:avLst/>
+          </a:prstGeom>
+          <a:solidFill>
+            <a:srgbClr val="9BC850"/>
+          </a:solidFill>
+          <a:ln w="12700">
+            <a:solidFill>
+              <a:srgbClr val="719238"/>
+            </a:solidFill>
+          </a:ln>
+        </p:spPr>
+        <p:txBody>
+          <a:bodyPr vert="horz" wrap="square" lIns="0" tIns="445770" rIns="0" bIns="0" rtlCol="0">
+            <a:spAutoFit/>
+          </a:bodyPr>
+          <a:lstStyle/>
+          <a:p>
+            <a:pPr marL="271145">
+              <a:lnSpc>
+                <a:spcPct val="100000"/>
+              </a:lnSpc>
+              <a:spcBef>
+                <a:spcPts val="3510"/>
+              </a:spcBef>
+            </a:pPr>
+            <a:r>
+              <a:rPr sz="3600" b="1" spc="-20" dirty="0">
+                <a:solidFill>
+                  <a:srgbClr val="FFFFFF"/>
+                </a:solidFill>
+                <a:latin typeface="Arial" panose="020B0604020202020204"/>
+                <a:cs typeface="Arial" panose="020B0604020202020204"/>
+              </a:rPr>
+              <a:t>index.html</a:t>
+            </a:r>
+            <a:endParaRPr sz="3600">
+              <a:latin typeface="Arial" panose="020B0604020202020204"/>
+              <a:cs typeface="Arial" panose="020B0604020202020204"/>
+            </a:endParaRPr>
+          </a:p>
+        </p:txBody>
+      </p:sp>
+      <p:sp>
+        <p:nvSpPr>
+          <p:cNvPr id="12" name="object 12"/>
+          <p:cNvSpPr txBox="1"/>
+          <p:nvPr/>
+        </p:nvSpPr>
+        <p:spPr>
+          <a:xfrm>
+            <a:off x="4193819" y="4220633"/>
+            <a:ext cx="3383279" cy="1463040"/>
+          </a:xfrm>
+          <a:prstGeom prst="rect">
+            <a:avLst/>
+          </a:prstGeom>
+          <a:solidFill>
+            <a:srgbClr val="2A9FBC"/>
+          </a:solidFill>
+          <a:ln w="12700">
+            <a:solidFill>
+              <a:srgbClr val="1C7489"/>
+            </a:solidFill>
+          </a:ln>
+        </p:spPr>
+        <p:txBody>
+          <a:bodyPr vert="horz" wrap="square" lIns="0" tIns="191770" rIns="0" bIns="0" rtlCol="0">
+            <a:spAutoFit/>
+          </a:bodyPr>
+          <a:lstStyle/>
+          <a:p>
+            <a:pPr marL="403225" marR="395605" indent="854710">
+              <a:lnSpc>
+                <a:spcPts val="4300"/>
+              </a:lnSpc>
+              <a:spcBef>
+                <a:spcPts val="1510"/>
+              </a:spcBef>
+            </a:pPr>
+            <a:r>
+              <a:rPr sz="3600" b="1" spc="-60" dirty="0">
+                <a:solidFill>
+                  <a:srgbClr val="FFFFFF"/>
+                </a:solidFill>
+                <a:latin typeface="Arial" panose="020B0604020202020204"/>
+                <a:cs typeface="Arial" panose="020B0604020202020204"/>
+              </a:rPr>
+              <a:t>App </a:t>
+            </a:r>
+            <a:r>
+              <a:rPr sz="3600" b="1" spc="-55" dirty="0">
+                <a:solidFill>
+                  <a:srgbClr val="FFFFFF"/>
+                </a:solidFill>
+                <a:latin typeface="Arial" panose="020B0604020202020204"/>
+                <a:cs typeface="Arial" panose="020B0604020202020204"/>
+              </a:rPr>
+              <a:t> </a:t>
+            </a:r>
+            <a:r>
+              <a:rPr sz="3600" b="1" spc="30" dirty="0">
+                <a:solidFill>
+                  <a:srgbClr val="FFFFFF"/>
+                </a:solidFill>
+                <a:latin typeface="Arial" panose="020B0604020202020204"/>
+                <a:cs typeface="Arial" panose="020B0604020202020204"/>
+              </a:rPr>
+              <a:t>C</a:t>
+            </a:r>
+            <a:r>
+              <a:rPr sz="3600" b="1" spc="15" dirty="0">
+                <a:solidFill>
+                  <a:srgbClr val="FFFFFF"/>
+                </a:solidFill>
+                <a:latin typeface="Arial" panose="020B0604020202020204"/>
+                <a:cs typeface="Arial" panose="020B0604020202020204"/>
+              </a:rPr>
+              <a:t>o</a:t>
+            </a:r>
+            <a:r>
+              <a:rPr sz="3600" b="1" spc="-95" dirty="0">
+                <a:solidFill>
+                  <a:srgbClr val="FFFFFF"/>
+                </a:solidFill>
+                <a:latin typeface="Arial" panose="020B0604020202020204"/>
+                <a:cs typeface="Arial" panose="020B0604020202020204"/>
+              </a:rPr>
+              <a:t>m</a:t>
+            </a:r>
+            <a:r>
+              <a:rPr sz="3600" b="1" spc="25" dirty="0">
+                <a:solidFill>
+                  <a:srgbClr val="FFFFFF"/>
+                </a:solidFill>
+                <a:latin typeface="Arial" panose="020B0604020202020204"/>
+                <a:cs typeface="Arial" panose="020B0604020202020204"/>
+              </a:rPr>
+              <a:t>p</a:t>
+            </a:r>
+            <a:r>
+              <a:rPr sz="3600" b="1" spc="-45" dirty="0">
+                <a:solidFill>
+                  <a:srgbClr val="FFFFFF"/>
+                </a:solidFill>
+                <a:latin typeface="Arial" panose="020B0604020202020204"/>
+                <a:cs typeface="Arial" panose="020B0604020202020204"/>
+              </a:rPr>
+              <a:t>o</a:t>
+            </a:r>
+            <a:r>
+              <a:rPr sz="3600" b="1" spc="80" dirty="0">
+                <a:solidFill>
+                  <a:srgbClr val="FFFFFF"/>
+                </a:solidFill>
+                <a:latin typeface="Arial" panose="020B0604020202020204"/>
+                <a:cs typeface="Arial" panose="020B0604020202020204"/>
+              </a:rPr>
+              <a:t>nent</a:t>
+            </a:r>
+            <a:endParaRPr sz="3600">
+              <a:latin typeface="Arial" panose="020B0604020202020204"/>
+              <a:cs typeface="Arial" panose="020B0604020202020204"/>
+            </a:endParaRPr>
+          </a:p>
+        </p:txBody>
+      </p:sp>
+      <p:sp>
+        <p:nvSpPr>
+          <p:cNvPr id="13" name="object 13"/>
+          <p:cNvSpPr txBox="1"/>
+          <p:nvPr/>
+        </p:nvSpPr>
+        <p:spPr>
+          <a:xfrm>
+            <a:off x="9268738" y="4220633"/>
+            <a:ext cx="3810000" cy="1463040"/>
+          </a:xfrm>
+          <a:prstGeom prst="rect">
+            <a:avLst/>
+          </a:prstGeom>
+          <a:solidFill>
+            <a:srgbClr val="2A9FBC"/>
+          </a:solidFill>
+          <a:ln w="12700">
+            <a:solidFill>
+              <a:srgbClr val="1C7489"/>
+            </a:solidFill>
+          </a:ln>
+        </p:spPr>
+        <p:txBody>
+          <a:bodyPr vert="horz" wrap="square" lIns="0" tIns="191770" rIns="0" bIns="0" rtlCol="0">
+            <a:spAutoFit/>
+          </a:bodyPr>
+          <a:lstStyle/>
+          <a:p>
+            <a:pPr marL="616585" marR="574675" indent="-34925">
+              <a:lnSpc>
+                <a:spcPts val="4300"/>
+              </a:lnSpc>
+              <a:spcBef>
+                <a:spcPts val="1510"/>
+              </a:spcBef>
+            </a:pPr>
+            <a:r>
+              <a:rPr sz="3600" b="1" spc="10" dirty="0">
+                <a:solidFill>
+                  <a:srgbClr val="FFFFFF"/>
+                </a:solidFill>
+                <a:latin typeface="Arial" panose="020B0604020202020204"/>
+                <a:cs typeface="Arial" panose="020B0604020202020204"/>
+              </a:rPr>
+              <a:t>Product</a:t>
+            </a:r>
+            <a:r>
+              <a:rPr sz="3600" b="1" spc="-120" dirty="0">
+                <a:solidFill>
+                  <a:srgbClr val="FFFFFF"/>
+                </a:solidFill>
+                <a:latin typeface="Arial" panose="020B0604020202020204"/>
+                <a:cs typeface="Arial" panose="020B0604020202020204"/>
+              </a:rPr>
+              <a:t> </a:t>
+            </a:r>
+            <a:r>
+              <a:rPr sz="3600" b="1" spc="-60" dirty="0">
+                <a:solidFill>
+                  <a:srgbClr val="FFFFFF"/>
+                </a:solidFill>
+                <a:latin typeface="Arial" panose="020B0604020202020204"/>
+                <a:cs typeface="Arial" panose="020B0604020202020204"/>
+              </a:rPr>
+              <a:t>List </a:t>
+            </a:r>
+            <a:r>
+              <a:rPr sz="3600" b="1" spc="-985" dirty="0">
+                <a:solidFill>
+                  <a:srgbClr val="FFFFFF"/>
+                </a:solidFill>
+                <a:latin typeface="Arial" panose="020B0604020202020204"/>
+                <a:cs typeface="Arial" panose="020B0604020202020204"/>
+              </a:rPr>
+              <a:t> </a:t>
+            </a:r>
+            <a:r>
+              <a:rPr sz="3600" b="1" spc="30" dirty="0">
+                <a:solidFill>
+                  <a:srgbClr val="FFFFFF"/>
+                </a:solidFill>
+                <a:latin typeface="Arial" panose="020B0604020202020204"/>
+                <a:cs typeface="Arial" panose="020B0604020202020204"/>
+              </a:rPr>
+              <a:t>Component</a:t>
+            </a:r>
+            <a:endParaRPr sz="3600">
+              <a:latin typeface="Arial" panose="020B0604020202020204"/>
+              <a:cs typeface="Arial" panose="020B0604020202020204"/>
+            </a:endParaRPr>
+          </a:p>
+        </p:txBody>
+      </p:sp>
+      <p:sp>
+        <p:nvSpPr>
+          <p:cNvPr id="14" name="object 14"/>
+          <p:cNvSpPr txBox="1"/>
+          <p:nvPr/>
+        </p:nvSpPr>
+        <p:spPr>
+          <a:xfrm>
+            <a:off x="4193819" y="6914726"/>
+            <a:ext cx="3383279" cy="1463040"/>
+          </a:xfrm>
+          <a:prstGeom prst="rect">
+            <a:avLst/>
+          </a:prstGeom>
+          <a:solidFill>
+            <a:srgbClr val="D9D9D9"/>
+          </a:solidFill>
+          <a:ln w="12700">
+            <a:solidFill>
+              <a:srgbClr val="4A417A"/>
+            </a:solidFill>
+          </a:ln>
+        </p:spPr>
+        <p:txBody>
+          <a:bodyPr vert="horz" wrap="square" lIns="0" tIns="168910" rIns="0" bIns="0" rtlCol="0">
+            <a:spAutoFit/>
+          </a:bodyPr>
+          <a:lstStyle/>
+          <a:p>
+            <a:pPr marL="883285" marR="257175" indent="-618490">
+              <a:lnSpc>
+                <a:spcPct val="100000"/>
+              </a:lnSpc>
+              <a:spcBef>
+                <a:spcPts val="1330"/>
+              </a:spcBef>
+            </a:pPr>
+            <a:r>
+              <a:rPr sz="3600" b="1" spc="10" dirty="0">
+                <a:solidFill>
+                  <a:srgbClr val="FFFFFF"/>
+                </a:solidFill>
+                <a:latin typeface="Arial" panose="020B0604020202020204"/>
+                <a:cs typeface="Arial" panose="020B0604020202020204"/>
+              </a:rPr>
+              <a:t>Product</a:t>
+            </a:r>
+            <a:r>
+              <a:rPr sz="3600" b="1" spc="-125" dirty="0">
+                <a:solidFill>
+                  <a:srgbClr val="FFFFFF"/>
+                </a:solidFill>
+                <a:latin typeface="Arial" panose="020B0604020202020204"/>
+                <a:cs typeface="Arial" panose="020B0604020202020204"/>
+              </a:rPr>
+              <a:t> </a:t>
+            </a:r>
+            <a:r>
+              <a:rPr sz="3600" b="1" dirty="0">
+                <a:solidFill>
+                  <a:srgbClr val="FFFFFF"/>
+                </a:solidFill>
+                <a:latin typeface="Arial" panose="020B0604020202020204"/>
+                <a:cs typeface="Arial" panose="020B0604020202020204"/>
+              </a:rPr>
+              <a:t>Data </a:t>
+            </a:r>
+            <a:r>
+              <a:rPr sz="3600" b="1" spc="-985" dirty="0">
+                <a:solidFill>
+                  <a:srgbClr val="FFFFFF"/>
+                </a:solidFill>
+                <a:latin typeface="Arial" panose="020B0604020202020204"/>
+                <a:cs typeface="Arial" panose="020B0604020202020204"/>
+              </a:rPr>
+              <a:t> </a:t>
+            </a:r>
+            <a:r>
+              <a:rPr sz="3600" b="1" spc="-15" dirty="0">
+                <a:solidFill>
+                  <a:srgbClr val="FFFFFF"/>
+                </a:solidFill>
+                <a:latin typeface="Arial" panose="020B0604020202020204"/>
+                <a:cs typeface="Arial" panose="020B0604020202020204"/>
+              </a:rPr>
+              <a:t>Service</a:t>
+            </a:r>
+            <a:endParaRPr sz="3600">
+              <a:latin typeface="Arial" panose="020B0604020202020204"/>
+              <a:cs typeface="Arial" panose="020B0604020202020204"/>
+            </a:endParaRPr>
+          </a:p>
+        </p:txBody>
+      </p:sp>
+      <p:sp>
+        <p:nvSpPr>
+          <p:cNvPr id="15" name="object 15"/>
+          <p:cNvSpPr txBox="1"/>
+          <p:nvPr/>
+        </p:nvSpPr>
+        <p:spPr>
+          <a:xfrm>
+            <a:off x="9268738" y="6289094"/>
+            <a:ext cx="3810000" cy="1463040"/>
+          </a:xfrm>
+          <a:prstGeom prst="rect">
+            <a:avLst/>
+          </a:prstGeom>
+          <a:solidFill>
+            <a:srgbClr val="D9D9D9"/>
+          </a:solidFill>
+          <a:ln w="12700">
+            <a:solidFill>
+              <a:srgbClr val="1C7489"/>
+            </a:solidFill>
+          </a:ln>
+        </p:spPr>
+        <p:txBody>
+          <a:bodyPr vert="horz" wrap="square" lIns="0" tIns="189865" rIns="0" bIns="0" rtlCol="0">
+            <a:spAutoFit/>
+          </a:bodyPr>
+          <a:lstStyle/>
+          <a:p>
+            <a:pPr marL="616585" marR="339725" indent="-269875">
+              <a:lnSpc>
+                <a:spcPts val="4300"/>
+              </a:lnSpc>
+              <a:spcBef>
+                <a:spcPts val="1495"/>
+              </a:spcBef>
+            </a:pPr>
+            <a:r>
+              <a:rPr sz="3600" b="1" spc="10" dirty="0">
+                <a:solidFill>
+                  <a:srgbClr val="FFFFFF"/>
+                </a:solidFill>
+                <a:latin typeface="Arial" panose="020B0604020202020204"/>
+                <a:cs typeface="Arial" panose="020B0604020202020204"/>
+              </a:rPr>
+              <a:t>Product</a:t>
+            </a:r>
+            <a:r>
+              <a:rPr sz="3600" b="1" spc="-130" dirty="0">
+                <a:solidFill>
+                  <a:srgbClr val="FFFFFF"/>
+                </a:solidFill>
+                <a:latin typeface="Arial" panose="020B0604020202020204"/>
+                <a:cs typeface="Arial" panose="020B0604020202020204"/>
+              </a:rPr>
+              <a:t> </a:t>
+            </a:r>
+            <a:r>
+              <a:rPr sz="3600" b="1" spc="10" dirty="0">
+                <a:solidFill>
+                  <a:srgbClr val="FFFFFF"/>
+                </a:solidFill>
+                <a:latin typeface="Arial" panose="020B0604020202020204"/>
+                <a:cs typeface="Arial" panose="020B0604020202020204"/>
+              </a:rPr>
+              <a:t>Detail </a:t>
+            </a:r>
+            <a:r>
+              <a:rPr sz="3600" b="1" spc="-985" dirty="0">
+                <a:solidFill>
+                  <a:srgbClr val="FFFFFF"/>
+                </a:solidFill>
+                <a:latin typeface="Arial" panose="020B0604020202020204"/>
+                <a:cs typeface="Arial" panose="020B0604020202020204"/>
+              </a:rPr>
+              <a:t> </a:t>
+            </a:r>
+            <a:r>
+              <a:rPr sz="3600" b="1" spc="30" dirty="0">
+                <a:solidFill>
+                  <a:srgbClr val="FFFFFF"/>
+                </a:solidFill>
+                <a:latin typeface="Arial" panose="020B0604020202020204"/>
+                <a:cs typeface="Arial" panose="020B0604020202020204"/>
+              </a:rPr>
+              <a:t>Component</a:t>
+            </a:r>
+            <a:endParaRPr sz="3600">
+              <a:latin typeface="Arial" panose="020B0604020202020204"/>
+              <a:cs typeface="Arial" panose="020B0604020202020204"/>
+            </a:endParaRPr>
+          </a:p>
+        </p:txBody>
+      </p:sp>
+      <p:sp>
+        <p:nvSpPr>
+          <p:cNvPr id="16" name="object 16"/>
+          <p:cNvSpPr txBox="1"/>
+          <p:nvPr/>
+        </p:nvSpPr>
+        <p:spPr>
+          <a:xfrm>
+            <a:off x="9268738" y="2135238"/>
+            <a:ext cx="3810000" cy="1463040"/>
+          </a:xfrm>
+          <a:prstGeom prst="rect">
+            <a:avLst/>
+          </a:prstGeom>
+          <a:solidFill>
+            <a:srgbClr val="D9D9D9"/>
+          </a:solidFill>
+          <a:ln w="12700">
+            <a:solidFill>
+              <a:srgbClr val="1C7489"/>
+            </a:solidFill>
+          </a:ln>
+        </p:spPr>
+        <p:txBody>
+          <a:bodyPr vert="horz" wrap="square" lIns="0" tIns="168910" rIns="0" bIns="0" rtlCol="0">
+            <a:spAutoFit/>
+          </a:bodyPr>
+          <a:lstStyle/>
+          <a:p>
+            <a:pPr marL="616585" marR="608965" indent="280670">
+              <a:lnSpc>
+                <a:spcPct val="100000"/>
+              </a:lnSpc>
+              <a:spcBef>
+                <a:spcPts val="1330"/>
+              </a:spcBef>
+            </a:pPr>
+            <a:r>
+              <a:rPr sz="3600" b="1" dirty="0">
+                <a:solidFill>
+                  <a:srgbClr val="FFFFFF"/>
+                </a:solidFill>
+                <a:latin typeface="Arial" panose="020B0604020202020204"/>
+                <a:cs typeface="Arial" panose="020B0604020202020204"/>
+              </a:rPr>
+              <a:t>Welcome </a:t>
+            </a:r>
+            <a:r>
+              <a:rPr sz="3600" b="1" spc="5" dirty="0">
+                <a:solidFill>
+                  <a:srgbClr val="FFFFFF"/>
+                </a:solidFill>
+                <a:latin typeface="Arial" panose="020B0604020202020204"/>
+                <a:cs typeface="Arial" panose="020B0604020202020204"/>
+              </a:rPr>
+              <a:t> </a:t>
+            </a:r>
+            <a:r>
+              <a:rPr sz="3600" b="1" spc="30" dirty="0">
+                <a:solidFill>
+                  <a:srgbClr val="FFFFFF"/>
+                </a:solidFill>
+                <a:latin typeface="Arial" panose="020B0604020202020204"/>
+                <a:cs typeface="Arial" panose="020B0604020202020204"/>
+              </a:rPr>
+              <a:t>C</a:t>
+            </a:r>
+            <a:r>
+              <a:rPr sz="3600" b="1" spc="15" dirty="0">
+                <a:solidFill>
+                  <a:srgbClr val="FFFFFF"/>
+                </a:solidFill>
+                <a:latin typeface="Arial" panose="020B0604020202020204"/>
+                <a:cs typeface="Arial" panose="020B0604020202020204"/>
+              </a:rPr>
+              <a:t>o</a:t>
+            </a:r>
+            <a:r>
+              <a:rPr sz="3600" b="1" spc="-95" dirty="0">
+                <a:solidFill>
+                  <a:srgbClr val="FFFFFF"/>
+                </a:solidFill>
+                <a:latin typeface="Arial" panose="020B0604020202020204"/>
+                <a:cs typeface="Arial" panose="020B0604020202020204"/>
+              </a:rPr>
+              <a:t>m</a:t>
+            </a:r>
+            <a:r>
+              <a:rPr sz="3600" b="1" spc="25" dirty="0">
+                <a:solidFill>
+                  <a:srgbClr val="FFFFFF"/>
+                </a:solidFill>
+                <a:latin typeface="Arial" panose="020B0604020202020204"/>
+                <a:cs typeface="Arial" panose="020B0604020202020204"/>
+              </a:rPr>
+              <a:t>p</a:t>
+            </a:r>
+            <a:r>
+              <a:rPr sz="3600" b="1" spc="-45" dirty="0">
+                <a:solidFill>
+                  <a:srgbClr val="FFFFFF"/>
+                </a:solidFill>
+                <a:latin typeface="Arial" panose="020B0604020202020204"/>
+                <a:cs typeface="Arial" panose="020B0604020202020204"/>
+              </a:rPr>
+              <a:t>o</a:t>
+            </a:r>
+            <a:r>
+              <a:rPr sz="3600" b="1" spc="80" dirty="0">
+                <a:solidFill>
+                  <a:srgbClr val="FFFFFF"/>
+                </a:solidFill>
+                <a:latin typeface="Arial" panose="020B0604020202020204"/>
+                <a:cs typeface="Arial" panose="020B0604020202020204"/>
+              </a:rPr>
+              <a:t>nent</a:t>
+            </a:r>
+            <a:endParaRPr sz="3600">
+              <a:latin typeface="Arial" panose="020B0604020202020204"/>
+              <a:cs typeface="Arial" panose="020B0604020202020204"/>
+            </a:endParaRPr>
+          </a:p>
+        </p:txBody>
+      </p:sp>
+      <p:sp>
+        <p:nvSpPr>
+          <p:cNvPr id="17" name="object 17"/>
+          <p:cNvSpPr txBox="1"/>
+          <p:nvPr/>
+        </p:nvSpPr>
+        <p:spPr>
+          <a:xfrm>
+            <a:off x="14579600" y="5254862"/>
+            <a:ext cx="3268979" cy="1463040"/>
+          </a:xfrm>
+          <a:prstGeom prst="rect">
+            <a:avLst/>
+          </a:prstGeom>
+          <a:solidFill>
+            <a:srgbClr val="2A9FBC"/>
+          </a:solidFill>
+          <a:ln w="12700">
+            <a:solidFill>
+              <a:srgbClr val="1C7489"/>
+            </a:solidFill>
+          </a:ln>
+        </p:spPr>
+        <p:txBody>
+          <a:bodyPr vert="horz" wrap="square" lIns="0" tIns="190500" rIns="0" bIns="0" rtlCol="0">
+            <a:spAutoFit/>
+          </a:bodyPr>
+          <a:lstStyle/>
+          <a:p>
+            <a:pPr marL="346075" marR="337820" indent="850900">
+              <a:lnSpc>
+                <a:spcPts val="4300"/>
+              </a:lnSpc>
+              <a:spcBef>
+                <a:spcPts val="1500"/>
+              </a:spcBef>
+            </a:pPr>
+            <a:r>
+              <a:rPr sz="3600" b="1" spc="-35" dirty="0">
+                <a:solidFill>
+                  <a:srgbClr val="FFFFFF"/>
+                </a:solidFill>
+                <a:latin typeface="Arial" panose="020B0604020202020204"/>
+                <a:cs typeface="Arial" panose="020B0604020202020204"/>
+              </a:rPr>
+              <a:t>Star </a:t>
+            </a:r>
+            <a:r>
+              <a:rPr sz="3600" b="1" spc="-30" dirty="0">
+                <a:solidFill>
+                  <a:srgbClr val="FFFFFF"/>
+                </a:solidFill>
+                <a:latin typeface="Arial" panose="020B0604020202020204"/>
+                <a:cs typeface="Arial" panose="020B0604020202020204"/>
+              </a:rPr>
+              <a:t> </a:t>
+            </a:r>
+            <a:r>
+              <a:rPr sz="3600" b="1" spc="30" dirty="0">
+                <a:solidFill>
+                  <a:srgbClr val="FFFFFF"/>
+                </a:solidFill>
+                <a:latin typeface="Arial" panose="020B0604020202020204"/>
+                <a:cs typeface="Arial" panose="020B0604020202020204"/>
+              </a:rPr>
+              <a:t>C</a:t>
+            </a:r>
+            <a:r>
+              <a:rPr sz="3600" b="1" spc="15" dirty="0">
+                <a:solidFill>
+                  <a:srgbClr val="FFFFFF"/>
+                </a:solidFill>
+                <a:latin typeface="Arial" panose="020B0604020202020204"/>
+                <a:cs typeface="Arial" panose="020B0604020202020204"/>
+              </a:rPr>
+              <a:t>o</a:t>
+            </a:r>
+            <a:r>
+              <a:rPr sz="3600" b="1" spc="-95" dirty="0">
+                <a:solidFill>
+                  <a:srgbClr val="FFFFFF"/>
+                </a:solidFill>
+                <a:latin typeface="Arial" panose="020B0604020202020204"/>
+                <a:cs typeface="Arial" panose="020B0604020202020204"/>
+              </a:rPr>
+              <a:t>m</a:t>
+            </a:r>
+            <a:r>
+              <a:rPr sz="3600" b="1" spc="25" dirty="0">
+                <a:solidFill>
+                  <a:srgbClr val="FFFFFF"/>
+                </a:solidFill>
+                <a:latin typeface="Arial" panose="020B0604020202020204"/>
+                <a:cs typeface="Arial" panose="020B0604020202020204"/>
+              </a:rPr>
+              <a:t>p</a:t>
+            </a:r>
+            <a:r>
+              <a:rPr sz="3600" b="1" spc="-45" dirty="0">
+                <a:solidFill>
+                  <a:srgbClr val="FFFFFF"/>
+                </a:solidFill>
+                <a:latin typeface="Arial" panose="020B0604020202020204"/>
+                <a:cs typeface="Arial" panose="020B0604020202020204"/>
+              </a:rPr>
+              <a:t>o</a:t>
+            </a:r>
+            <a:r>
+              <a:rPr sz="3600" b="1" spc="80" dirty="0">
+                <a:solidFill>
+                  <a:srgbClr val="FFFFFF"/>
+                </a:solidFill>
+                <a:latin typeface="Arial" panose="020B0604020202020204"/>
+                <a:cs typeface="Arial" panose="020B0604020202020204"/>
+              </a:rPr>
+              <a:t>nent</a:t>
+            </a:r>
+            <a:endParaRPr sz="3600">
+              <a:latin typeface="Arial" panose="020B0604020202020204"/>
+              <a:cs typeface="Arial" panose="020B0604020202020204"/>
+            </a:endParaRPr>
+          </a:p>
+        </p:txBody>
+      </p:sp>
+      <p:sp>
+        <p:nvSpPr>
+          <p:cNvPr id="18" name="Slide Number Placeholder 17"/>
+          <p:cNvSpPr>
+            <a:spLocks noGrp="1"/>
+          </p:cNvSpPr>
+          <p:nvPr>
+            <p:ph type="sldNum" sz="quarter" idx="7"/>
+          </p:nvPr>
+        </p:nvSpPr>
+        <p:spPr/>
+        <p:txBody>
+          <a:bodyPr/>
+          <a:p>
+            <a:fld id="{B6F15528-21DE-4FAA-801E-634DDDAF4B2B}" type="slidenum">
+              <a:rPr/>
+            </a:fld>
+            <a:endParaRPr/>
+          </a:p>
+        </p:txBody>
+      </p:sp>
+    </p:spTree>
+  </p:cSld>
+  <p:clrMapOvr>
+    <a:masterClrMapping/>
+  </p:clrMapOvr>
+</p:sld>
+</file>
+
+<file path=ppt/slides/slide31.xml><?xml version="1.0" encoding="utf-8"?>
 <p:sld xmlns:a="http://schemas.openxmlformats.org/drawingml/2006/main" xmlns:r="http://schemas.openxmlformats.org/officeDocument/2006/relationships" xmlns:p="http://schemas.openxmlformats.org/presentationml/2006/main" showMasterSp="0">
   <p:cSld>
     <p:spTree>
